--- a/Projeto_Chico/PDFs e Imagens/Projeto_Final.pptx
+++ b/Projeto_Chico/PDFs e Imagens/Projeto_Final.pptx
@@ -12,10 +12,14 @@
     <p:sldId id="257" r:id="rId5"/>
     <p:sldId id="258" r:id="rId6"/>
     <p:sldId id="259" r:id="rId7"/>
-    <p:sldId id="260" r:id="rId8"/>
-    <p:sldId id="261" r:id="rId9"/>
-    <p:sldId id="262" r:id="rId10"/>
-    <p:sldId id="263" r:id="rId11"/>
+    <p:sldId id="266" r:id="rId8"/>
+    <p:sldId id="267" r:id="rId9"/>
+    <p:sldId id="268" r:id="rId10"/>
+    <p:sldId id="260" r:id="rId11"/>
+    <p:sldId id="261" r:id="rId12"/>
+    <p:sldId id="269" r:id="rId13"/>
+    <p:sldId id="262" r:id="rId14"/>
+    <p:sldId id="263" r:id="rId15"/>
   </p:sldIdLst>
   <p:sldSz cx="9144000" cy="5143500"/>
   <p:notesSz cx="6858000" cy="9144000"/>
@@ -251,7 +255,7 @@
   <p:extLst>
     <p:ext uri="{EFAFB233-063F-42B5-8137-9DF3F51BA10A}">
       <p15:sldGuideLst xmlns:p15="http://schemas.microsoft.com/office/powerpoint/2012/main">
-        <p15:guide id="1" orient="horz" pos="1660" userDrawn="1">
+        <p15:guide id="1" orient="horz" pos="1620" userDrawn="1">
           <p15:clr>
             <a:srgbClr val="000000"/>
           </p15:clr>
@@ -1538,6 +1542,300 @@
 </p:notes>
 </file>
 
+<file path=ppt/notesSlides/notesSlide10.xml><?xml version="1.0" encoding="utf-8"?>
+<p:notes xmlns:a="http://schemas.openxmlformats.org/drawingml/2006/main" xmlns:r="http://schemas.openxmlformats.org/officeDocument/2006/relationships" xmlns:p="http://schemas.openxmlformats.org/presentationml/2006/main" showMasterPhAnim="0" showMasterSp="0">
+  <p:cSld>
+    <p:spTree>
+      <p:nvGrpSpPr>
+        <p:cNvPr id="94" name="Shape 94"/>
+        <p:cNvGrpSpPr/>
+        <p:nvPr/>
+      </p:nvGrpSpPr>
+      <p:grpSpPr>
+        <a:xfrm>
+          <a:off x="0" y="0"/>
+          <a:ext cx="0" cy="0"/>
+          <a:chOff x="0" y="0"/>
+          <a:chExt cx="0" cy="0"/>
+        </a:xfrm>
+      </p:grpSpPr>
+      <p:sp>
+        <p:nvSpPr>
+          <p:cNvPr id="95" name="Google Shape;95;g20df27f22b9_0_0:notes"/>
+          <p:cNvSpPr/>
+          <p:nvPr>
+            <p:ph type="sldImg" idx="2"/>
+          </p:nvPr>
+        </p:nvSpPr>
+        <p:spPr>
+          <a:xfrm>
+            <a:off x="381000" y="685800"/>
+            <a:ext cx="6096000" cy="3429000"/>
+          </a:xfrm>
+          <a:custGeom>
+            <a:avLst/>
+            <a:gdLst/>
+            <a:ahLst/>
+            <a:cxnLst/>
+            <a:rect l="l" t="t" r="r" b="b"/>
+            <a:pathLst>
+              <a:path w="120000" h="120000" extrusionOk="0">
+                <a:moveTo>
+                  <a:pt x="0" y="0"/>
+                </a:moveTo>
+                <a:lnTo>
+                  <a:pt x="120000" y="0"/>
+                </a:lnTo>
+                <a:lnTo>
+                  <a:pt x="120000" y="120000"/>
+                </a:lnTo>
+                <a:lnTo>
+                  <a:pt x="0" y="120000"/>
+                </a:lnTo>
+                <a:close/>
+              </a:path>
+            </a:pathLst>
+          </a:custGeom>
+          <a:noFill/>
+          <a:ln w="12700" cap="flat" cmpd="sng">
+            <a:solidFill>
+              <a:srgbClr val="000000"/>
+            </a:solidFill>
+            <a:prstDash val="solid"/>
+            <a:round/>
+            <a:headEnd type="none" w="sm" len="sm"/>
+            <a:tailEnd type="none" w="sm" len="sm"/>
+          </a:ln>
+        </p:spPr>
+      </p:sp>
+      <p:sp>
+        <p:nvSpPr>
+          <p:cNvPr id="96" name="Google Shape;96;g20df27f22b9_0_0:notes"/>
+          <p:cNvSpPr txBox="1"/>
+          <p:nvPr>
+            <p:ph type="body" idx="1"/>
+          </p:nvPr>
+        </p:nvSpPr>
+        <p:spPr>
+          <a:xfrm>
+            <a:off x="685800" y="4343400"/>
+            <a:ext cx="5486400" cy="4114800"/>
+          </a:xfrm>
+          <a:prstGeom prst="rect">
+            <a:avLst/>
+          </a:prstGeom>
+          <a:noFill/>
+          <a:ln>
+            <a:noFill/>
+          </a:ln>
+        </p:spPr>
+        <p:txBody>
+          <a:bodyPr spcFirstLastPara="1" wrap="square" lIns="91425" tIns="45700" rIns="91425" bIns="45700" anchor="t" anchorCtr="0">
+            <a:noAutofit/>
+          </a:bodyPr>
+          <a:lstStyle/>
+          <a:p>
+            <a:pPr marL="0" lvl="0" indent="0" algn="l" rtl="0">
+              <a:spcBef>
+                <a:spcPts val="0"/>
+              </a:spcBef>
+              <a:spcAft>
+                <a:spcPts val="0"/>
+              </a:spcAft>
+              <a:buNone/>
+            </a:pPr>
+          </a:p>
+        </p:txBody>
+      </p:sp>
+      <p:sp>
+        <p:nvSpPr>
+          <p:cNvPr id="97" name="Google Shape;97;g20df27f22b9_0_0:notes"/>
+          <p:cNvSpPr txBox="1"/>
+          <p:nvPr>
+            <p:ph type="sldNum" idx="12"/>
+          </p:nvPr>
+        </p:nvSpPr>
+        <p:spPr>
+          <a:xfrm>
+            <a:off x="3884613" y="8685213"/>
+            <a:ext cx="2971800" cy="457200"/>
+          </a:xfrm>
+          <a:prstGeom prst="rect">
+            <a:avLst/>
+          </a:prstGeom>
+          <a:noFill/>
+          <a:ln>
+            <a:noFill/>
+          </a:ln>
+        </p:spPr>
+        <p:txBody>
+          <a:bodyPr spcFirstLastPara="1" wrap="square" lIns="91425" tIns="45700" rIns="91425" bIns="45700" anchor="b" anchorCtr="0">
+            <a:noAutofit/>
+          </a:bodyPr>
+          <a:lstStyle/>
+          <a:p>
+            <a:pPr marL="0" lvl="0" indent="0" algn="r" rtl="0">
+              <a:spcBef>
+                <a:spcPts val="0"/>
+              </a:spcBef>
+              <a:spcAft>
+                <a:spcPts val="0"/>
+              </a:spcAft>
+              <a:buNone/>
+            </a:pPr>
+            <a:fld id="{00000000-1234-1234-1234-123412341234}" type="slidenum">
+              <a:rPr lang="pt-BR"/>
+            </a:fld>
+            <a:endParaRPr lang="pt-BR"/>
+          </a:p>
+        </p:txBody>
+      </p:sp>
+    </p:spTree>
+  </p:cSld>
+  <p:clrMapOvr>
+    <a:masterClrMapping/>
+  </p:clrMapOvr>
+</p:notes>
+</file>
+
+<file path=ppt/notesSlides/notesSlide11.xml><?xml version="1.0" encoding="utf-8"?>
+<p:notes xmlns:a="http://schemas.openxmlformats.org/drawingml/2006/main" xmlns:r="http://schemas.openxmlformats.org/officeDocument/2006/relationships" xmlns:p="http://schemas.openxmlformats.org/presentationml/2006/main" showMasterPhAnim="0" showMasterSp="0">
+  <p:cSld>
+    <p:spTree>
+      <p:nvGrpSpPr>
+        <p:cNvPr id="101" name="Shape 101"/>
+        <p:cNvGrpSpPr/>
+        <p:nvPr/>
+      </p:nvGrpSpPr>
+      <p:grpSpPr>
+        <a:xfrm>
+          <a:off x="0" y="0"/>
+          <a:ext cx="0" cy="0"/>
+          <a:chOff x="0" y="0"/>
+          <a:chExt cx="0" cy="0"/>
+        </a:xfrm>
+      </p:grpSpPr>
+      <p:sp>
+        <p:nvSpPr>
+          <p:cNvPr id="102" name="Google Shape;102;g20df27f22b9_0_12:notes"/>
+          <p:cNvSpPr/>
+          <p:nvPr>
+            <p:ph type="sldImg" idx="2"/>
+          </p:nvPr>
+        </p:nvSpPr>
+        <p:spPr>
+          <a:xfrm>
+            <a:off x="381000" y="685800"/>
+            <a:ext cx="6096000" cy="3429000"/>
+          </a:xfrm>
+          <a:custGeom>
+            <a:avLst/>
+            <a:gdLst/>
+            <a:ahLst/>
+            <a:cxnLst/>
+            <a:rect l="l" t="t" r="r" b="b"/>
+            <a:pathLst>
+              <a:path w="120000" h="120000" extrusionOk="0">
+                <a:moveTo>
+                  <a:pt x="0" y="0"/>
+                </a:moveTo>
+                <a:lnTo>
+                  <a:pt x="120000" y="0"/>
+                </a:lnTo>
+                <a:lnTo>
+                  <a:pt x="120000" y="120000"/>
+                </a:lnTo>
+                <a:lnTo>
+                  <a:pt x="0" y="120000"/>
+                </a:lnTo>
+                <a:close/>
+              </a:path>
+            </a:pathLst>
+          </a:custGeom>
+        </p:spPr>
+      </p:sp>
+      <p:sp>
+        <p:nvSpPr>
+          <p:cNvPr id="103" name="Google Shape;103;g20df27f22b9_0_12:notes"/>
+          <p:cNvSpPr txBox="1"/>
+          <p:nvPr>
+            <p:ph type="body" idx="1"/>
+          </p:nvPr>
+        </p:nvSpPr>
+        <p:spPr>
+          <a:xfrm>
+            <a:off x="685800" y="4343400"/>
+            <a:ext cx="5486400" cy="4114800"/>
+          </a:xfrm>
+          <a:prstGeom prst="rect">
+            <a:avLst/>
+          </a:prstGeom>
+        </p:spPr>
+        <p:txBody>
+          <a:bodyPr spcFirstLastPara="1" wrap="square" lIns="91425" tIns="45700" rIns="91425" bIns="45700" anchor="t" anchorCtr="0">
+            <a:noAutofit/>
+          </a:bodyPr>
+          <a:lstStyle/>
+          <a:p>
+            <a:pPr marL="0" lvl="0" indent="0" algn="l" rtl="0">
+              <a:spcBef>
+                <a:spcPts val="0"/>
+              </a:spcBef>
+              <a:spcAft>
+                <a:spcPts val="0"/>
+              </a:spcAft>
+              <a:buNone/>
+            </a:pPr>
+          </a:p>
+        </p:txBody>
+      </p:sp>
+      <p:sp>
+        <p:nvSpPr>
+          <p:cNvPr id="104" name="Google Shape;104;g20df27f22b9_0_12:notes"/>
+          <p:cNvSpPr txBox="1"/>
+          <p:nvPr>
+            <p:ph type="sldNum" idx="12"/>
+          </p:nvPr>
+        </p:nvSpPr>
+        <p:spPr>
+          <a:xfrm>
+            <a:off x="3884613" y="8685213"/>
+            <a:ext cx="2971800" cy="457200"/>
+          </a:xfrm>
+          <a:prstGeom prst="rect">
+            <a:avLst/>
+          </a:prstGeom>
+        </p:spPr>
+        <p:txBody>
+          <a:bodyPr spcFirstLastPara="1" wrap="square" lIns="91425" tIns="45700" rIns="91425" bIns="45700" anchor="b" anchorCtr="0">
+            <a:noAutofit/>
+          </a:bodyPr>
+          <a:lstStyle/>
+          <a:p>
+            <a:pPr marL="0" lvl="0" indent="0" algn="r" rtl="0">
+              <a:spcBef>
+                <a:spcPts val="0"/>
+              </a:spcBef>
+              <a:spcAft>
+                <a:spcPts val="0"/>
+              </a:spcAft>
+              <a:buNone/>
+            </a:pPr>
+            <a:fld id="{00000000-1234-1234-1234-123412341234}" type="slidenum">
+              <a:rPr lang="pt-BR"/>
+            </a:fld>
+            <a:endParaRPr lang="pt-BR"/>
+          </a:p>
+        </p:txBody>
+      </p:sp>
+    </p:spTree>
+  </p:cSld>
+  <p:clrMapOvr>
+    <a:masterClrMapping/>
+  </p:clrMapOvr>
+</p:notes>
+</file>
+
 <file path=ppt/notesSlides/notesSlide2.xml><?xml version="1.0" encoding="utf-8"?>
 <p:notes xmlns:a="http://schemas.openxmlformats.org/drawingml/2006/main" xmlns:r="http://schemas.openxmlformats.org/officeDocument/2006/relationships" xmlns:p="http://schemas.openxmlformats.org/presentationml/2006/main" showMasterPhAnim="0" showMasterSp="0">
   <p:cSld>
@@ -1983,6 +2281,432 @@
   <p:cSld>
     <p:spTree>
       <p:nvGrpSpPr>
+        <p:cNvPr id="73" name="Shape 73"/>
+        <p:cNvGrpSpPr/>
+        <p:nvPr/>
+      </p:nvGrpSpPr>
+      <p:grpSpPr>
+        <a:xfrm>
+          <a:off x="0" y="0"/>
+          <a:ext cx="0" cy="0"/>
+          <a:chOff x="0" y="0"/>
+          <a:chExt cx="0" cy="0"/>
+        </a:xfrm>
+      </p:grpSpPr>
+      <p:sp>
+        <p:nvSpPr>
+          <p:cNvPr id="74" name="Google Shape;74;g20df27f22b9_0_37:notes"/>
+          <p:cNvSpPr/>
+          <p:nvPr>
+            <p:ph type="sldImg" idx="2"/>
+          </p:nvPr>
+        </p:nvSpPr>
+        <p:spPr>
+          <a:xfrm>
+            <a:off x="381000" y="685800"/>
+            <a:ext cx="6096000" cy="3429000"/>
+          </a:xfrm>
+          <a:custGeom>
+            <a:avLst/>
+            <a:gdLst/>
+            <a:ahLst/>
+            <a:cxnLst/>
+            <a:rect l="l" t="t" r="r" b="b"/>
+            <a:pathLst>
+              <a:path w="120000" h="120000" extrusionOk="0">
+                <a:moveTo>
+                  <a:pt x="0" y="0"/>
+                </a:moveTo>
+                <a:lnTo>
+                  <a:pt x="120000" y="0"/>
+                </a:lnTo>
+                <a:lnTo>
+                  <a:pt x="120000" y="120000"/>
+                </a:lnTo>
+                <a:lnTo>
+                  <a:pt x="0" y="120000"/>
+                </a:lnTo>
+                <a:close/>
+              </a:path>
+            </a:pathLst>
+          </a:custGeom>
+        </p:spPr>
+      </p:sp>
+      <p:sp>
+        <p:nvSpPr>
+          <p:cNvPr id="75" name="Google Shape;75;g20df27f22b9_0_37:notes"/>
+          <p:cNvSpPr txBox="1"/>
+          <p:nvPr>
+            <p:ph type="body" idx="1"/>
+          </p:nvPr>
+        </p:nvSpPr>
+        <p:spPr>
+          <a:xfrm>
+            <a:off x="685800" y="4343400"/>
+            <a:ext cx="5486400" cy="4114800"/>
+          </a:xfrm>
+          <a:prstGeom prst="rect">
+            <a:avLst/>
+          </a:prstGeom>
+        </p:spPr>
+        <p:txBody>
+          <a:bodyPr spcFirstLastPara="1" wrap="square" lIns="91425" tIns="45700" rIns="91425" bIns="45700" anchor="t" anchorCtr="0">
+            <a:noAutofit/>
+          </a:bodyPr>
+          <a:lstStyle/>
+          <a:p>
+            <a:pPr marL="0" lvl="0" indent="0" algn="l" rtl="0">
+              <a:spcBef>
+                <a:spcPts val="0"/>
+              </a:spcBef>
+              <a:spcAft>
+                <a:spcPts val="0"/>
+              </a:spcAft>
+              <a:buNone/>
+            </a:pPr>
+          </a:p>
+        </p:txBody>
+      </p:sp>
+      <p:sp>
+        <p:nvSpPr>
+          <p:cNvPr id="76" name="Google Shape;76;g20df27f22b9_0_37:notes"/>
+          <p:cNvSpPr txBox="1"/>
+          <p:nvPr>
+            <p:ph type="sldNum" idx="12"/>
+          </p:nvPr>
+        </p:nvSpPr>
+        <p:spPr>
+          <a:xfrm>
+            <a:off x="3884613" y="8685213"/>
+            <a:ext cx="2971800" cy="457200"/>
+          </a:xfrm>
+          <a:prstGeom prst="rect">
+            <a:avLst/>
+          </a:prstGeom>
+        </p:spPr>
+        <p:txBody>
+          <a:bodyPr spcFirstLastPara="1" wrap="square" lIns="91425" tIns="45700" rIns="91425" bIns="45700" anchor="b" anchorCtr="0">
+            <a:noAutofit/>
+          </a:bodyPr>
+          <a:lstStyle/>
+          <a:p>
+            <a:pPr marL="0" lvl="0" indent="0" algn="r" rtl="0">
+              <a:spcBef>
+                <a:spcPts val="0"/>
+              </a:spcBef>
+              <a:spcAft>
+                <a:spcPts val="0"/>
+              </a:spcAft>
+              <a:buClr>
+                <a:srgbClr val="000000"/>
+              </a:buClr>
+              <a:buFont typeface="Arial" panose="020B0604020202020204"/>
+              <a:buNone/>
+            </a:pPr>
+            <a:fld id="{00000000-1234-1234-1234-123412341234}" type="slidenum">
+              <a:rPr lang="pt-BR"/>
+            </a:fld>
+            <a:endParaRPr lang="pt-BR"/>
+          </a:p>
+        </p:txBody>
+      </p:sp>
+    </p:spTree>
+  </p:cSld>
+  <p:clrMapOvr>
+    <a:masterClrMapping/>
+  </p:clrMapOvr>
+</p:notes>
+</file>
+
+<file path=ppt/notesSlides/notesSlide6.xml><?xml version="1.0" encoding="utf-8"?>
+<p:notes xmlns:a="http://schemas.openxmlformats.org/drawingml/2006/main" xmlns:r="http://schemas.openxmlformats.org/officeDocument/2006/relationships" xmlns:p="http://schemas.openxmlformats.org/presentationml/2006/main" showMasterPhAnim="0" showMasterSp="0">
+  <p:cSld>
+    <p:spTree>
+      <p:nvGrpSpPr>
+        <p:cNvPr id="73" name="Shape 73"/>
+        <p:cNvGrpSpPr/>
+        <p:nvPr/>
+      </p:nvGrpSpPr>
+      <p:grpSpPr>
+        <a:xfrm>
+          <a:off x="0" y="0"/>
+          <a:ext cx="0" cy="0"/>
+          <a:chOff x="0" y="0"/>
+          <a:chExt cx="0" cy="0"/>
+        </a:xfrm>
+      </p:grpSpPr>
+      <p:sp>
+        <p:nvSpPr>
+          <p:cNvPr id="74" name="Google Shape;74;g20df27f22b9_0_37:notes"/>
+          <p:cNvSpPr/>
+          <p:nvPr>
+            <p:ph type="sldImg" idx="2"/>
+          </p:nvPr>
+        </p:nvSpPr>
+        <p:spPr>
+          <a:xfrm>
+            <a:off x="381000" y="685800"/>
+            <a:ext cx="6096000" cy="3429000"/>
+          </a:xfrm>
+          <a:custGeom>
+            <a:avLst/>
+            <a:gdLst/>
+            <a:ahLst/>
+            <a:cxnLst/>
+            <a:rect l="l" t="t" r="r" b="b"/>
+            <a:pathLst>
+              <a:path w="120000" h="120000" extrusionOk="0">
+                <a:moveTo>
+                  <a:pt x="0" y="0"/>
+                </a:moveTo>
+                <a:lnTo>
+                  <a:pt x="120000" y="0"/>
+                </a:lnTo>
+                <a:lnTo>
+                  <a:pt x="120000" y="120000"/>
+                </a:lnTo>
+                <a:lnTo>
+                  <a:pt x="0" y="120000"/>
+                </a:lnTo>
+                <a:close/>
+              </a:path>
+            </a:pathLst>
+          </a:custGeom>
+        </p:spPr>
+      </p:sp>
+      <p:sp>
+        <p:nvSpPr>
+          <p:cNvPr id="75" name="Google Shape;75;g20df27f22b9_0_37:notes"/>
+          <p:cNvSpPr txBox="1"/>
+          <p:nvPr>
+            <p:ph type="body" idx="1"/>
+          </p:nvPr>
+        </p:nvSpPr>
+        <p:spPr>
+          <a:xfrm>
+            <a:off x="685800" y="4343400"/>
+            <a:ext cx="5486400" cy="4114800"/>
+          </a:xfrm>
+          <a:prstGeom prst="rect">
+            <a:avLst/>
+          </a:prstGeom>
+        </p:spPr>
+        <p:txBody>
+          <a:bodyPr spcFirstLastPara="1" wrap="square" lIns="91425" tIns="45700" rIns="91425" bIns="45700" anchor="t" anchorCtr="0">
+            <a:noAutofit/>
+          </a:bodyPr>
+          <a:lstStyle/>
+          <a:p>
+            <a:pPr marL="0" lvl="0" indent="0" algn="l" rtl="0">
+              <a:spcBef>
+                <a:spcPts val="0"/>
+              </a:spcBef>
+              <a:spcAft>
+                <a:spcPts val="0"/>
+              </a:spcAft>
+              <a:buNone/>
+            </a:pPr>
+          </a:p>
+        </p:txBody>
+      </p:sp>
+      <p:sp>
+        <p:nvSpPr>
+          <p:cNvPr id="76" name="Google Shape;76;g20df27f22b9_0_37:notes"/>
+          <p:cNvSpPr txBox="1"/>
+          <p:nvPr>
+            <p:ph type="sldNum" idx="12"/>
+          </p:nvPr>
+        </p:nvSpPr>
+        <p:spPr>
+          <a:xfrm>
+            <a:off x="3884613" y="8685213"/>
+            <a:ext cx="2971800" cy="457200"/>
+          </a:xfrm>
+          <a:prstGeom prst="rect">
+            <a:avLst/>
+          </a:prstGeom>
+        </p:spPr>
+        <p:txBody>
+          <a:bodyPr spcFirstLastPara="1" wrap="square" lIns="91425" tIns="45700" rIns="91425" bIns="45700" anchor="b" anchorCtr="0">
+            <a:noAutofit/>
+          </a:bodyPr>
+          <a:lstStyle/>
+          <a:p>
+            <a:pPr marL="0" lvl="0" indent="0" algn="r" rtl="0">
+              <a:spcBef>
+                <a:spcPts val="0"/>
+              </a:spcBef>
+              <a:spcAft>
+                <a:spcPts val="0"/>
+              </a:spcAft>
+              <a:buClr>
+                <a:srgbClr val="000000"/>
+              </a:buClr>
+              <a:buFont typeface="Arial" panose="020B0604020202020204"/>
+              <a:buNone/>
+            </a:pPr>
+            <a:fld id="{00000000-1234-1234-1234-123412341234}" type="slidenum">
+              <a:rPr lang="pt-BR"/>
+            </a:fld>
+            <a:endParaRPr lang="pt-BR"/>
+          </a:p>
+        </p:txBody>
+      </p:sp>
+    </p:spTree>
+  </p:cSld>
+  <p:clrMapOvr>
+    <a:masterClrMapping/>
+  </p:clrMapOvr>
+</p:notes>
+</file>
+
+<file path=ppt/notesSlides/notesSlide7.xml><?xml version="1.0" encoding="utf-8"?>
+<p:notes xmlns:a="http://schemas.openxmlformats.org/drawingml/2006/main" xmlns:r="http://schemas.openxmlformats.org/officeDocument/2006/relationships" xmlns:p="http://schemas.openxmlformats.org/presentationml/2006/main" showMasterPhAnim="0" showMasterSp="0">
+  <p:cSld>
+    <p:spTree>
+      <p:nvGrpSpPr>
+        <p:cNvPr id="73" name="Shape 73"/>
+        <p:cNvGrpSpPr/>
+        <p:nvPr/>
+      </p:nvGrpSpPr>
+      <p:grpSpPr>
+        <a:xfrm>
+          <a:off x="0" y="0"/>
+          <a:ext cx="0" cy="0"/>
+          <a:chOff x="0" y="0"/>
+          <a:chExt cx="0" cy="0"/>
+        </a:xfrm>
+      </p:grpSpPr>
+      <p:sp>
+        <p:nvSpPr>
+          <p:cNvPr id="74" name="Google Shape;74;g20df27f22b9_0_37:notes"/>
+          <p:cNvSpPr/>
+          <p:nvPr>
+            <p:ph type="sldImg" idx="2"/>
+          </p:nvPr>
+        </p:nvSpPr>
+        <p:spPr>
+          <a:xfrm>
+            <a:off x="381000" y="685800"/>
+            <a:ext cx="6096000" cy="3429000"/>
+          </a:xfrm>
+          <a:custGeom>
+            <a:avLst/>
+            <a:gdLst/>
+            <a:ahLst/>
+            <a:cxnLst/>
+            <a:rect l="l" t="t" r="r" b="b"/>
+            <a:pathLst>
+              <a:path w="120000" h="120000" extrusionOk="0">
+                <a:moveTo>
+                  <a:pt x="0" y="0"/>
+                </a:moveTo>
+                <a:lnTo>
+                  <a:pt x="120000" y="0"/>
+                </a:lnTo>
+                <a:lnTo>
+                  <a:pt x="120000" y="120000"/>
+                </a:lnTo>
+                <a:lnTo>
+                  <a:pt x="0" y="120000"/>
+                </a:lnTo>
+                <a:close/>
+              </a:path>
+            </a:pathLst>
+          </a:custGeom>
+        </p:spPr>
+      </p:sp>
+      <p:sp>
+        <p:nvSpPr>
+          <p:cNvPr id="75" name="Google Shape;75;g20df27f22b9_0_37:notes"/>
+          <p:cNvSpPr txBox="1"/>
+          <p:nvPr>
+            <p:ph type="body" idx="1"/>
+          </p:nvPr>
+        </p:nvSpPr>
+        <p:spPr>
+          <a:xfrm>
+            <a:off x="685800" y="4343400"/>
+            <a:ext cx="5486400" cy="4114800"/>
+          </a:xfrm>
+          <a:prstGeom prst="rect">
+            <a:avLst/>
+          </a:prstGeom>
+        </p:spPr>
+        <p:txBody>
+          <a:bodyPr spcFirstLastPara="1" wrap="square" lIns="91425" tIns="45700" rIns="91425" bIns="45700" anchor="t" anchorCtr="0">
+            <a:noAutofit/>
+          </a:bodyPr>
+          <a:lstStyle/>
+          <a:p>
+            <a:pPr marL="0" lvl="0" indent="0" algn="l" rtl="0">
+              <a:spcBef>
+                <a:spcPts val="0"/>
+              </a:spcBef>
+              <a:spcAft>
+                <a:spcPts val="0"/>
+              </a:spcAft>
+              <a:buNone/>
+            </a:pPr>
+          </a:p>
+        </p:txBody>
+      </p:sp>
+      <p:sp>
+        <p:nvSpPr>
+          <p:cNvPr id="76" name="Google Shape;76;g20df27f22b9_0_37:notes"/>
+          <p:cNvSpPr txBox="1"/>
+          <p:nvPr>
+            <p:ph type="sldNum" idx="12"/>
+          </p:nvPr>
+        </p:nvSpPr>
+        <p:spPr>
+          <a:xfrm>
+            <a:off x="3884613" y="8685213"/>
+            <a:ext cx="2971800" cy="457200"/>
+          </a:xfrm>
+          <a:prstGeom prst="rect">
+            <a:avLst/>
+          </a:prstGeom>
+        </p:spPr>
+        <p:txBody>
+          <a:bodyPr spcFirstLastPara="1" wrap="square" lIns="91425" tIns="45700" rIns="91425" bIns="45700" anchor="b" anchorCtr="0">
+            <a:noAutofit/>
+          </a:bodyPr>
+          <a:lstStyle/>
+          <a:p>
+            <a:pPr marL="0" lvl="0" indent="0" algn="r" rtl="0">
+              <a:spcBef>
+                <a:spcPts val="0"/>
+              </a:spcBef>
+              <a:spcAft>
+                <a:spcPts val="0"/>
+              </a:spcAft>
+              <a:buClr>
+                <a:srgbClr val="000000"/>
+              </a:buClr>
+              <a:buFont typeface="Arial" panose="020B0604020202020204"/>
+              <a:buNone/>
+            </a:pPr>
+            <a:fld id="{00000000-1234-1234-1234-123412341234}" type="slidenum">
+              <a:rPr lang="pt-BR"/>
+            </a:fld>
+            <a:endParaRPr lang="pt-BR"/>
+          </a:p>
+        </p:txBody>
+      </p:sp>
+    </p:spTree>
+  </p:cSld>
+  <p:clrMapOvr>
+    <a:masterClrMapping/>
+  </p:clrMapOvr>
+</p:notes>
+</file>
+
+<file path=ppt/notesSlides/notesSlide8.xml><?xml version="1.0" encoding="utf-8"?>
+<p:notes xmlns:a="http://schemas.openxmlformats.org/drawingml/2006/main" xmlns:r="http://schemas.openxmlformats.org/officeDocument/2006/relationships" xmlns:p="http://schemas.openxmlformats.org/presentationml/2006/main" showMasterPhAnim="0" showMasterSp="0">
+  <p:cSld>
+    <p:spTree>
+      <p:nvGrpSpPr>
         <p:cNvPr id="80" name="Shape 80"/>
         <p:cNvGrpSpPr/>
         <p:nvPr/>
@@ -2120,7 +2844,7 @@
 </p:notes>
 </file>
 
-<file path=ppt/notesSlides/notesSlide6.xml><?xml version="1.0" encoding="utf-8"?>
+<file path=ppt/notesSlides/notesSlide9.xml><?xml version="1.0" encoding="utf-8"?>
 <p:notes xmlns:a="http://schemas.openxmlformats.org/drawingml/2006/main" xmlns:r="http://schemas.openxmlformats.org/officeDocument/2006/relationships" xmlns:p="http://schemas.openxmlformats.org/presentationml/2006/main" showMasterPhAnim="0" showMasterSp="0">
   <p:cSld>
     <p:spTree>
@@ -2245,300 +2969,6 @@
                 <a:srgbClr val="000000"/>
               </a:buClr>
               <a:buFont typeface="Arial" panose="020B0604020202020204"/>
-              <a:buNone/>
-            </a:pPr>
-            <a:fld id="{00000000-1234-1234-1234-123412341234}" type="slidenum">
-              <a:rPr lang="pt-BR"/>
-            </a:fld>
-            <a:endParaRPr lang="pt-BR"/>
-          </a:p>
-        </p:txBody>
-      </p:sp>
-    </p:spTree>
-  </p:cSld>
-  <p:clrMapOvr>
-    <a:masterClrMapping/>
-  </p:clrMapOvr>
-</p:notes>
-</file>
-
-<file path=ppt/notesSlides/notesSlide7.xml><?xml version="1.0" encoding="utf-8"?>
-<p:notes xmlns:a="http://schemas.openxmlformats.org/drawingml/2006/main" xmlns:r="http://schemas.openxmlformats.org/officeDocument/2006/relationships" xmlns:p="http://schemas.openxmlformats.org/presentationml/2006/main" showMasterPhAnim="0" showMasterSp="0">
-  <p:cSld>
-    <p:spTree>
-      <p:nvGrpSpPr>
-        <p:cNvPr id="94" name="Shape 94"/>
-        <p:cNvGrpSpPr/>
-        <p:nvPr/>
-      </p:nvGrpSpPr>
-      <p:grpSpPr>
-        <a:xfrm>
-          <a:off x="0" y="0"/>
-          <a:ext cx="0" cy="0"/>
-          <a:chOff x="0" y="0"/>
-          <a:chExt cx="0" cy="0"/>
-        </a:xfrm>
-      </p:grpSpPr>
-      <p:sp>
-        <p:nvSpPr>
-          <p:cNvPr id="95" name="Google Shape;95;g20df27f22b9_0_0:notes"/>
-          <p:cNvSpPr/>
-          <p:nvPr>
-            <p:ph type="sldImg" idx="2"/>
-          </p:nvPr>
-        </p:nvSpPr>
-        <p:spPr>
-          <a:xfrm>
-            <a:off x="381000" y="685800"/>
-            <a:ext cx="6096000" cy="3429000"/>
-          </a:xfrm>
-          <a:custGeom>
-            <a:avLst/>
-            <a:gdLst/>
-            <a:ahLst/>
-            <a:cxnLst/>
-            <a:rect l="l" t="t" r="r" b="b"/>
-            <a:pathLst>
-              <a:path w="120000" h="120000" extrusionOk="0">
-                <a:moveTo>
-                  <a:pt x="0" y="0"/>
-                </a:moveTo>
-                <a:lnTo>
-                  <a:pt x="120000" y="0"/>
-                </a:lnTo>
-                <a:lnTo>
-                  <a:pt x="120000" y="120000"/>
-                </a:lnTo>
-                <a:lnTo>
-                  <a:pt x="0" y="120000"/>
-                </a:lnTo>
-                <a:close/>
-              </a:path>
-            </a:pathLst>
-          </a:custGeom>
-          <a:noFill/>
-          <a:ln w="12700" cap="flat" cmpd="sng">
-            <a:solidFill>
-              <a:srgbClr val="000000"/>
-            </a:solidFill>
-            <a:prstDash val="solid"/>
-            <a:round/>
-            <a:headEnd type="none" w="sm" len="sm"/>
-            <a:tailEnd type="none" w="sm" len="sm"/>
-          </a:ln>
-        </p:spPr>
-      </p:sp>
-      <p:sp>
-        <p:nvSpPr>
-          <p:cNvPr id="96" name="Google Shape;96;g20df27f22b9_0_0:notes"/>
-          <p:cNvSpPr txBox="1"/>
-          <p:nvPr>
-            <p:ph type="body" idx="1"/>
-          </p:nvPr>
-        </p:nvSpPr>
-        <p:spPr>
-          <a:xfrm>
-            <a:off x="685800" y="4343400"/>
-            <a:ext cx="5486400" cy="4114800"/>
-          </a:xfrm>
-          <a:prstGeom prst="rect">
-            <a:avLst/>
-          </a:prstGeom>
-          <a:noFill/>
-          <a:ln>
-            <a:noFill/>
-          </a:ln>
-        </p:spPr>
-        <p:txBody>
-          <a:bodyPr spcFirstLastPara="1" wrap="square" lIns="91425" tIns="45700" rIns="91425" bIns="45700" anchor="t" anchorCtr="0">
-            <a:noAutofit/>
-          </a:bodyPr>
-          <a:lstStyle/>
-          <a:p>
-            <a:pPr marL="0" lvl="0" indent="0" algn="l" rtl="0">
-              <a:spcBef>
-                <a:spcPts val="0"/>
-              </a:spcBef>
-              <a:spcAft>
-                <a:spcPts val="0"/>
-              </a:spcAft>
-              <a:buNone/>
-            </a:pPr>
-          </a:p>
-        </p:txBody>
-      </p:sp>
-      <p:sp>
-        <p:nvSpPr>
-          <p:cNvPr id="97" name="Google Shape;97;g20df27f22b9_0_0:notes"/>
-          <p:cNvSpPr txBox="1"/>
-          <p:nvPr>
-            <p:ph type="sldNum" idx="12"/>
-          </p:nvPr>
-        </p:nvSpPr>
-        <p:spPr>
-          <a:xfrm>
-            <a:off x="3884613" y="8685213"/>
-            <a:ext cx="2971800" cy="457200"/>
-          </a:xfrm>
-          <a:prstGeom prst="rect">
-            <a:avLst/>
-          </a:prstGeom>
-          <a:noFill/>
-          <a:ln>
-            <a:noFill/>
-          </a:ln>
-        </p:spPr>
-        <p:txBody>
-          <a:bodyPr spcFirstLastPara="1" wrap="square" lIns="91425" tIns="45700" rIns="91425" bIns="45700" anchor="b" anchorCtr="0">
-            <a:noAutofit/>
-          </a:bodyPr>
-          <a:lstStyle/>
-          <a:p>
-            <a:pPr marL="0" lvl="0" indent="0" algn="r" rtl="0">
-              <a:spcBef>
-                <a:spcPts val="0"/>
-              </a:spcBef>
-              <a:spcAft>
-                <a:spcPts val="0"/>
-              </a:spcAft>
-              <a:buNone/>
-            </a:pPr>
-            <a:fld id="{00000000-1234-1234-1234-123412341234}" type="slidenum">
-              <a:rPr lang="pt-BR"/>
-            </a:fld>
-            <a:endParaRPr lang="pt-BR"/>
-          </a:p>
-        </p:txBody>
-      </p:sp>
-    </p:spTree>
-  </p:cSld>
-  <p:clrMapOvr>
-    <a:masterClrMapping/>
-  </p:clrMapOvr>
-</p:notes>
-</file>
-
-<file path=ppt/notesSlides/notesSlide8.xml><?xml version="1.0" encoding="utf-8"?>
-<p:notes xmlns:a="http://schemas.openxmlformats.org/drawingml/2006/main" xmlns:r="http://schemas.openxmlformats.org/officeDocument/2006/relationships" xmlns:p="http://schemas.openxmlformats.org/presentationml/2006/main" showMasterPhAnim="0" showMasterSp="0">
-  <p:cSld>
-    <p:spTree>
-      <p:nvGrpSpPr>
-        <p:cNvPr id="101" name="Shape 101"/>
-        <p:cNvGrpSpPr/>
-        <p:nvPr/>
-      </p:nvGrpSpPr>
-      <p:grpSpPr>
-        <a:xfrm>
-          <a:off x="0" y="0"/>
-          <a:ext cx="0" cy="0"/>
-          <a:chOff x="0" y="0"/>
-          <a:chExt cx="0" cy="0"/>
-        </a:xfrm>
-      </p:grpSpPr>
-      <p:sp>
-        <p:nvSpPr>
-          <p:cNvPr id="102" name="Google Shape;102;g20df27f22b9_0_12:notes"/>
-          <p:cNvSpPr/>
-          <p:nvPr>
-            <p:ph type="sldImg" idx="2"/>
-          </p:nvPr>
-        </p:nvSpPr>
-        <p:spPr>
-          <a:xfrm>
-            <a:off x="381000" y="685800"/>
-            <a:ext cx="6096000" cy="3429000"/>
-          </a:xfrm>
-          <a:custGeom>
-            <a:avLst/>
-            <a:gdLst/>
-            <a:ahLst/>
-            <a:cxnLst/>
-            <a:rect l="l" t="t" r="r" b="b"/>
-            <a:pathLst>
-              <a:path w="120000" h="120000" extrusionOk="0">
-                <a:moveTo>
-                  <a:pt x="0" y="0"/>
-                </a:moveTo>
-                <a:lnTo>
-                  <a:pt x="120000" y="0"/>
-                </a:lnTo>
-                <a:lnTo>
-                  <a:pt x="120000" y="120000"/>
-                </a:lnTo>
-                <a:lnTo>
-                  <a:pt x="0" y="120000"/>
-                </a:lnTo>
-                <a:close/>
-              </a:path>
-            </a:pathLst>
-          </a:custGeom>
-        </p:spPr>
-      </p:sp>
-      <p:sp>
-        <p:nvSpPr>
-          <p:cNvPr id="103" name="Google Shape;103;g20df27f22b9_0_12:notes"/>
-          <p:cNvSpPr txBox="1"/>
-          <p:nvPr>
-            <p:ph type="body" idx="1"/>
-          </p:nvPr>
-        </p:nvSpPr>
-        <p:spPr>
-          <a:xfrm>
-            <a:off x="685800" y="4343400"/>
-            <a:ext cx="5486400" cy="4114800"/>
-          </a:xfrm>
-          <a:prstGeom prst="rect">
-            <a:avLst/>
-          </a:prstGeom>
-        </p:spPr>
-        <p:txBody>
-          <a:bodyPr spcFirstLastPara="1" wrap="square" lIns="91425" tIns="45700" rIns="91425" bIns="45700" anchor="t" anchorCtr="0">
-            <a:noAutofit/>
-          </a:bodyPr>
-          <a:lstStyle/>
-          <a:p>
-            <a:pPr marL="0" lvl="0" indent="0" algn="l" rtl="0">
-              <a:spcBef>
-                <a:spcPts val="0"/>
-              </a:spcBef>
-              <a:spcAft>
-                <a:spcPts val="0"/>
-              </a:spcAft>
-              <a:buNone/>
-            </a:pPr>
-          </a:p>
-        </p:txBody>
-      </p:sp>
-      <p:sp>
-        <p:nvSpPr>
-          <p:cNvPr id="104" name="Google Shape;104;g20df27f22b9_0_12:notes"/>
-          <p:cNvSpPr txBox="1"/>
-          <p:nvPr>
-            <p:ph type="sldNum" idx="12"/>
-          </p:nvPr>
-        </p:nvSpPr>
-        <p:spPr>
-          <a:xfrm>
-            <a:off x="3884613" y="8685213"/>
-            <a:ext cx="2971800" cy="457200"/>
-          </a:xfrm>
-          <a:prstGeom prst="rect">
-            <a:avLst/>
-          </a:prstGeom>
-        </p:spPr>
-        <p:txBody>
-          <a:bodyPr spcFirstLastPara="1" wrap="square" lIns="91425" tIns="45700" rIns="91425" bIns="45700" anchor="b" anchorCtr="0">
-            <a:noAutofit/>
-          </a:bodyPr>
-          <a:lstStyle/>
-          <a:p>
-            <a:pPr marL="0" lvl="0" indent="0" algn="r" rtl="0">
-              <a:spcBef>
-                <a:spcPts val="0"/>
-              </a:spcBef>
-              <a:spcAft>
-                <a:spcPts val="0"/>
-              </a:spcAft>
               <a:buNone/>
             </a:pPr>
             <a:fld id="{00000000-1234-1234-1234-123412341234}" type="slidenum">
@@ -7817,6 +8247,238 @@
 </p:sld>
 </file>
 
+<file path=ppt/slides/slide10.xml><?xml version="1.0" encoding="utf-8"?>
+<p:sld xmlns:a="http://schemas.openxmlformats.org/drawingml/2006/main" xmlns:r="http://schemas.openxmlformats.org/officeDocument/2006/relationships" xmlns:p="http://schemas.openxmlformats.org/presentationml/2006/main">
+  <p:cSld>
+    <p:spTree>
+      <p:nvGrpSpPr>
+        <p:cNvPr id="1" name=""/>
+        <p:cNvGrpSpPr/>
+        <p:nvPr/>
+      </p:nvGrpSpPr>
+      <p:grpSpPr/>
+      <p:sp>
+        <p:nvSpPr>
+          <p:cNvPr id="2" name="Title 1"/>
+          <p:cNvSpPr/>
+          <p:nvPr>
+            <p:ph type="ctrTitle"/>
+          </p:nvPr>
+        </p:nvSpPr>
+        <p:spPr/>
+        <p:txBody>
+          <a:bodyPr/>
+          <a:p>
+            <a:endParaRPr lang="en-US"/>
+          </a:p>
+        </p:txBody>
+      </p:sp>
+      <p:sp>
+        <p:nvSpPr>
+          <p:cNvPr id="3" name="Subtitle 2"/>
+          <p:cNvSpPr/>
+          <p:nvPr>
+            <p:ph type="subTitle" idx="1"/>
+          </p:nvPr>
+        </p:nvSpPr>
+        <p:spPr/>
+        <p:txBody>
+          <a:bodyPr/>
+          <a:p>
+            <a:endParaRPr lang="en-US"/>
+          </a:p>
+        </p:txBody>
+      </p:sp>
+    </p:spTree>
+  </p:cSld>
+  <p:clrMapOvr>
+    <a:masterClrMapping/>
+  </p:clrMapOvr>
+</p:sld>
+</file>
+
+<file path=ppt/slides/slide11.xml><?xml version="1.0" encoding="utf-8"?>
+<p:sld xmlns:a="http://schemas.openxmlformats.org/drawingml/2006/main" xmlns:r="http://schemas.openxmlformats.org/officeDocument/2006/relationships" xmlns:p="http://schemas.openxmlformats.org/presentationml/2006/main">
+  <p:cSld>
+    <p:spTree>
+      <p:nvGrpSpPr>
+        <p:cNvPr id="98" name="Shape 98"/>
+        <p:cNvGrpSpPr/>
+        <p:nvPr/>
+      </p:nvGrpSpPr>
+      <p:grpSpPr>
+        <a:xfrm>
+          <a:off x="0" y="0"/>
+          <a:ext cx="0" cy="0"/>
+          <a:chOff x="0" y="0"/>
+          <a:chExt cx="0" cy="0"/>
+        </a:xfrm>
+      </p:grpSpPr>
+      <p:sp>
+        <p:nvSpPr>
+          <p:cNvPr id="99" name="Google Shape;99;g20df27f22b9_0_0"/>
+          <p:cNvSpPr txBox="1"/>
+          <p:nvPr>
+            <p:ph type="ctrTitle"/>
+          </p:nvPr>
+        </p:nvSpPr>
+        <p:spPr>
+          <a:xfrm>
+            <a:off x="251520" y="441213"/>
+            <a:ext cx="7772400" cy="1102500"/>
+          </a:xfrm>
+          <a:prstGeom prst="rect">
+            <a:avLst/>
+          </a:prstGeom>
+          <a:noFill/>
+          <a:ln>
+            <a:noFill/>
+          </a:ln>
+        </p:spPr>
+        <p:txBody>
+          <a:bodyPr spcFirstLastPara="1" wrap="square" lIns="91425" tIns="45700" rIns="91425" bIns="45700" anchor="ctr" anchorCtr="0">
+            <a:normAutofit/>
+          </a:bodyPr>
+          <a:lstStyle/>
+          <a:p>
+            <a:pPr marL="0" lvl="0" indent="0" algn="l" rtl="0">
+              <a:spcBef>
+                <a:spcPts val="0"/>
+              </a:spcBef>
+              <a:spcAft>
+                <a:spcPts val="0"/>
+              </a:spcAft>
+              <a:buClr>
+                <a:srgbClr val="DB1E2F"/>
+              </a:buClr>
+              <a:buSzPts val="2500"/>
+              <a:buFont typeface="Arial" panose="020B0604020202020204"/>
+              <a:buNone/>
+            </a:pPr>
+            <a:r>
+              <a:rPr lang="pt-BR"/>
+              <a:t>Questão 2</a:t>
+            </a:r>
+            <a:endParaRPr lang="pt-BR"/>
+          </a:p>
+        </p:txBody>
+      </p:sp>
+      <p:sp>
+        <p:nvSpPr>
+          <p:cNvPr id="100" name="Google Shape;100;g20df27f22b9_0_0"/>
+          <p:cNvSpPr txBox="1"/>
+          <p:nvPr>
+            <p:ph type="subTitle" idx="1"/>
+          </p:nvPr>
+        </p:nvSpPr>
+        <p:spPr>
+          <a:xfrm>
+            <a:off x="251520" y="1707654"/>
+            <a:ext cx="6400800" cy="1314600"/>
+          </a:xfrm>
+          <a:prstGeom prst="rect">
+            <a:avLst/>
+          </a:prstGeom>
+          <a:noFill/>
+          <a:ln>
+            <a:noFill/>
+          </a:ln>
+        </p:spPr>
+        <p:txBody>
+          <a:bodyPr spcFirstLastPara="1" wrap="square" lIns="91425" tIns="45700" rIns="91425" bIns="45700" anchor="t" anchorCtr="0">
+            <a:normAutofit/>
+          </a:bodyPr>
+          <a:lstStyle/>
+          <a:p>
+            <a:pPr marL="0" lvl="0" indent="0" algn="l" rtl="0">
+              <a:spcBef>
+                <a:spcPts val="0"/>
+              </a:spcBef>
+              <a:spcAft>
+                <a:spcPts val="0"/>
+              </a:spcAft>
+              <a:buClr>
+                <a:srgbClr val="888888"/>
+              </a:buClr>
+              <a:buSzPts val="2000"/>
+              <a:buNone/>
+            </a:pPr>
+          </a:p>
+        </p:txBody>
+      </p:sp>
+    </p:spTree>
+  </p:cSld>
+  <p:clrMapOvr>
+    <a:masterClrMapping/>
+  </p:clrMapOvr>
+</p:sld>
+</file>
+
+<file path=ppt/slides/slide12.xml><?xml version="1.0" encoding="utf-8"?>
+<p:sld xmlns:a="http://schemas.openxmlformats.org/drawingml/2006/main" xmlns:r="http://schemas.openxmlformats.org/officeDocument/2006/relationships" xmlns:p="http://schemas.openxmlformats.org/presentationml/2006/main">
+  <p:cSld>
+    <p:spTree>
+      <p:nvGrpSpPr>
+        <p:cNvPr id="105" name="Shape 105"/>
+        <p:cNvGrpSpPr/>
+        <p:nvPr/>
+      </p:nvGrpSpPr>
+      <p:grpSpPr>
+        <a:xfrm>
+          <a:off x="0" y="0"/>
+          <a:ext cx="0" cy="0"/>
+          <a:chOff x="0" y="0"/>
+          <a:chExt cx="0" cy="0"/>
+        </a:xfrm>
+      </p:grpSpPr>
+      <p:sp>
+        <p:nvSpPr>
+          <p:cNvPr id="106" name="Google Shape;106;g20df27f22b9_0_12"/>
+          <p:cNvSpPr txBox="1"/>
+          <p:nvPr>
+            <p:ph type="subTitle" idx="1"/>
+          </p:nvPr>
+        </p:nvSpPr>
+        <p:spPr>
+          <a:xfrm>
+            <a:off x="1371600" y="623250"/>
+            <a:ext cx="6400800" cy="3606000"/>
+          </a:xfrm>
+          <a:prstGeom prst="rect">
+            <a:avLst/>
+          </a:prstGeom>
+        </p:spPr>
+        <p:txBody>
+          <a:bodyPr spcFirstLastPara="1" wrap="square" lIns="91425" tIns="45700" rIns="91425" bIns="45700" anchor="t" anchorCtr="0">
+            <a:normAutofit/>
+          </a:bodyPr>
+          <a:lstStyle/>
+          <a:p>
+            <a:pPr marL="0" lvl="0" indent="0" algn="l" rtl="0">
+              <a:spcBef>
+                <a:spcPts val="400"/>
+              </a:spcBef>
+              <a:spcAft>
+                <a:spcPts val="0"/>
+              </a:spcAft>
+              <a:buNone/>
+            </a:pPr>
+            <a:endParaRPr>
+              <a:solidFill>
+                <a:schemeClr val="dk1"/>
+              </a:solidFill>
+            </a:endParaRPr>
+          </a:p>
+        </p:txBody>
+      </p:sp>
+    </p:spTree>
+  </p:cSld>
+  <p:clrMapOvr>
+    <a:masterClrMapping/>
+  </p:clrMapOvr>
+</p:sld>
+</file>
+
 <file path=ppt/slides/slide2.xml><?xml version="1.0" encoding="utf-8"?>
 <p:sld xmlns:a="http://schemas.openxmlformats.org/drawingml/2006/main" xmlns:r="http://schemas.openxmlformats.org/officeDocument/2006/relationships" xmlns:p="http://schemas.openxmlformats.org/presentationml/2006/main">
   <p:cSld>
@@ -8102,7 +8764,7 @@
         </p:nvSpPr>
         <p:spPr>
           <a:xfrm>
-            <a:off x="322800" y="91075"/>
+            <a:off x="322800" y="91710"/>
             <a:ext cx="6663000" cy="1102500"/>
           </a:xfrm>
           <a:prstGeom prst="rect">
@@ -8132,564 +8794,87 @@
           </a:p>
         </p:txBody>
       </p:sp>
-      <p:sp>
-        <p:nvSpPr>
-          <p:cNvPr id="79" name="Google Shape;79;g20df27f22b9_0_37"/>
-          <p:cNvSpPr txBox="1"/>
-          <p:nvPr>
-            <p:ph type="subTitle" idx="1"/>
-          </p:nvPr>
-        </p:nvSpPr>
-        <p:spPr>
-          <a:xfrm>
-            <a:off x="453900" y="999950"/>
-            <a:ext cx="6400800" cy="3606000"/>
-          </a:xfrm>
-          <a:prstGeom prst="rect">
-            <a:avLst/>
-          </a:prstGeom>
-        </p:spPr>
-        <p:txBody>
-          <a:bodyPr spcFirstLastPara="1" wrap="square" lIns="91425" tIns="45700" rIns="91425" bIns="45700" anchor="t" anchorCtr="0">
-            <a:normAutofit/>
-          </a:bodyPr>
-          <a:lstStyle/>
-          <a:p>
-            <a:pPr marL="457200" lvl="0" indent="-298450" algn="l" rtl="0">
-              <a:spcBef>
-                <a:spcPts val="400"/>
-              </a:spcBef>
-              <a:spcAft>
-                <a:spcPts val="0"/>
-              </a:spcAft>
-              <a:buClr>
-                <a:schemeClr val="dk1"/>
-              </a:buClr>
-              <a:buSzPts val="1100"/>
-              <a:buAutoNum type="arabicPeriod"/>
-            </a:pPr>
-            <a:r>
-              <a:rPr lang="pt-BR" sz="1100">
-                <a:solidFill>
-                  <a:schemeClr val="dk1"/>
-                </a:solidFill>
-              </a:rPr>
-              <a:t>Importar os datasets (mfeat: fou, fac, zer) de tal forma que </a:t>
-            </a:r>
-            <a:endParaRPr sz="1100">
-              <a:solidFill>
-                <a:schemeClr val="dk1"/>
-              </a:solidFill>
-            </a:endParaRPr>
-          </a:p>
-          <a:p>
-            <a:pPr marL="457200" lvl="0" indent="-298450" algn="l" rtl="0">
-              <a:spcBef>
-                <a:spcPts val="0"/>
-              </a:spcBef>
-              <a:spcAft>
-                <a:spcPts val="0"/>
-              </a:spcAft>
-              <a:buClr>
-                <a:schemeClr val="dk1"/>
-              </a:buClr>
-              <a:buSzPts val="1100"/>
-              <a:buAutoNum type="arabicPeriod"/>
-            </a:pPr>
-            <a:r>
-              <a:rPr lang="pt-BR" sz="1100">
-                <a:solidFill>
-                  <a:schemeClr val="dk1"/>
-                </a:solidFill>
-              </a:rPr>
-              <a:t>Determinar o vetor global de largura de parâmetros </a:t>
-            </a:r>
-            <a:r>
-              <a:rPr lang="pt-BR" sz="1100" b="1">
-                <a:solidFill>
-                  <a:schemeClr val="dk1"/>
-                </a:solidFill>
-              </a:rPr>
-              <a:t>s</a:t>
-            </a:r>
-            <a:endParaRPr sz="1100">
-              <a:solidFill>
-                <a:schemeClr val="dk1"/>
-              </a:solidFill>
-            </a:endParaRPr>
-          </a:p>
-          <a:p>
-            <a:pPr marL="457200" lvl="0" indent="-298450" algn="l" rtl="0">
-              <a:spcBef>
-                <a:spcPts val="0"/>
-              </a:spcBef>
-              <a:spcAft>
-                <a:spcPts val="0"/>
-              </a:spcAft>
-              <a:buClr>
-                <a:schemeClr val="dk1"/>
-              </a:buClr>
-              <a:buSzPts val="1100"/>
-              <a:buAutoNum type="arabicPeriod"/>
-            </a:pPr>
-            <a:r>
-              <a:rPr lang="pt-BR" sz="1100">
-                <a:solidFill>
-                  <a:schemeClr val="dk1"/>
-                </a:solidFill>
-              </a:rPr>
-              <a:t>Determinar o vetor de clusters </a:t>
-            </a:r>
-            <a:r>
-              <a:rPr lang="pt-BR" sz="1100" b="1">
-                <a:solidFill>
-                  <a:schemeClr val="dk1"/>
-                </a:solidFill>
-              </a:rPr>
-              <a:t>g</a:t>
-            </a:r>
-            <a:r>
-              <a:rPr lang="pt-BR" sz="1100">
-                <a:solidFill>
-                  <a:schemeClr val="dk1"/>
-                </a:solidFill>
-              </a:rPr>
-              <a:t>=(</a:t>
-            </a:r>
-            <a:r>
-              <a:rPr lang="pt-BR" sz="1100" b="1">
-                <a:solidFill>
-                  <a:schemeClr val="dk1"/>
-                </a:solidFill>
-              </a:rPr>
-              <a:t>g</a:t>
-            </a:r>
-            <a:r>
-              <a:rPr lang="pt-BR" sz="1100" b="1" baseline="-25000">
-                <a:solidFill>
-                  <a:schemeClr val="dk1"/>
-                </a:solidFill>
-              </a:rPr>
-              <a:t>1</a:t>
-            </a:r>
-            <a:r>
-              <a:rPr lang="pt-BR" sz="1100">
-                <a:solidFill>
-                  <a:schemeClr val="dk1"/>
-                </a:solidFill>
-              </a:rPr>
-              <a:t>,</a:t>
-            </a:r>
-            <a:r>
-              <a:rPr lang="pt-BR" sz="1100" b="1">
-                <a:solidFill>
-                  <a:schemeClr val="dk1"/>
-                </a:solidFill>
-              </a:rPr>
-              <a:t>g</a:t>
-            </a:r>
-            <a:r>
-              <a:rPr lang="pt-BR" sz="1100" b="1" baseline="-25000">
-                <a:solidFill>
-                  <a:schemeClr val="dk1"/>
-                </a:solidFill>
-              </a:rPr>
-              <a:t>2</a:t>
-            </a:r>
-            <a:r>
-              <a:rPr lang="pt-BR" sz="1100">
-                <a:solidFill>
-                  <a:schemeClr val="dk1"/>
-                </a:solidFill>
-              </a:rPr>
-              <a:t>,...,</a:t>
-            </a:r>
-            <a:r>
-              <a:rPr lang="pt-BR" sz="1100" b="1">
-                <a:solidFill>
-                  <a:schemeClr val="dk1"/>
-                </a:solidFill>
-              </a:rPr>
-              <a:t>g</a:t>
-            </a:r>
-            <a:r>
-              <a:rPr lang="pt-BR" sz="1100" b="1" baseline="-25000">
-                <a:solidFill>
-                  <a:schemeClr val="dk1"/>
-                </a:solidFill>
-              </a:rPr>
-              <a:t>c</a:t>
-            </a:r>
-            <a:r>
-              <a:rPr lang="pt-BR" sz="1100">
-                <a:solidFill>
-                  <a:schemeClr val="dk1"/>
-                </a:solidFill>
-              </a:rPr>
-              <a:t>)</a:t>
-            </a:r>
-            <a:endParaRPr lang="pt-BR" sz="1100">
-              <a:solidFill>
-                <a:schemeClr val="dk1"/>
-              </a:solidFill>
-            </a:endParaRPr>
-          </a:p>
-          <a:p>
-            <a:pPr marL="457200" lvl="0" indent="-298450" algn="l" rtl="0">
-              <a:spcBef>
-                <a:spcPts val="0"/>
-              </a:spcBef>
-              <a:spcAft>
-                <a:spcPts val="0"/>
-              </a:spcAft>
-              <a:buClr>
-                <a:schemeClr val="dk1"/>
-              </a:buClr>
-              <a:buSzPts val="1100"/>
-              <a:buAutoNum type="arabicPeriod"/>
-            </a:pPr>
-            <a:r>
-              <a:rPr lang="pt-BR" sz="1100">
-                <a:solidFill>
-                  <a:schemeClr val="dk1"/>
-                </a:solidFill>
-              </a:rPr>
-              <a:t>Determinar a matriz </a:t>
-            </a:r>
-            <a:r>
-              <a:rPr lang="pt-BR" sz="1100" b="1">
-                <a:solidFill>
-                  <a:schemeClr val="dk1"/>
-                </a:solidFill>
-              </a:rPr>
-              <a:t>u</a:t>
-            </a:r>
-            <a:r>
-              <a:rPr lang="pt-BR" sz="1100">
-                <a:solidFill>
-                  <a:schemeClr val="dk1"/>
-                </a:solidFill>
-              </a:rPr>
-              <a:t> que contém os graus de pertencimento</a:t>
-            </a:r>
-            <a:endParaRPr lang="pt-BR" sz="1100">
-              <a:solidFill>
-                <a:schemeClr val="dk1"/>
-              </a:solidFill>
-            </a:endParaRPr>
-          </a:p>
-          <a:p>
-            <a:pPr marL="457200" lvl="0" indent="-298450" algn="l" rtl="0">
-              <a:spcBef>
-                <a:spcPts val="0"/>
-              </a:spcBef>
-              <a:spcAft>
-                <a:spcPts val="0"/>
-              </a:spcAft>
-              <a:buClr>
-                <a:schemeClr val="dk1"/>
-              </a:buClr>
-              <a:buSzPts val="1100"/>
-              <a:buAutoNum type="arabicPeriod"/>
-            </a:pPr>
-            <a:r>
-              <a:rPr lang="pt-BR" sz="1100">
-                <a:solidFill>
-                  <a:schemeClr val="dk1"/>
-                </a:solidFill>
-              </a:rPr>
-              <a:t>Inicialização</a:t>
-            </a:r>
-            <a:endParaRPr lang="pt-BR" sz="1100">
-              <a:solidFill>
-                <a:schemeClr val="dk1"/>
-              </a:solidFill>
-            </a:endParaRPr>
-          </a:p>
-          <a:p>
-            <a:pPr marL="914400" lvl="1" indent="-298450" algn="l" rtl="0">
-              <a:spcBef>
-                <a:spcPts val="0"/>
-              </a:spcBef>
-              <a:spcAft>
-                <a:spcPts val="0"/>
-              </a:spcAft>
-              <a:buClr>
-                <a:schemeClr val="dk1"/>
-              </a:buClr>
-              <a:buSzPts val="1100"/>
-              <a:buFont typeface="+mj-lt"/>
-              <a:buAutoNum type="alphaLcParenR"/>
-            </a:pPr>
-            <a:r>
-              <a:rPr lang="pt-BR" sz="1100">
-                <a:solidFill>
-                  <a:schemeClr val="dk1"/>
-                </a:solidFill>
-              </a:rPr>
-              <a:t>Definimos </a:t>
-            </a:r>
-            <a:endParaRPr lang="pt-BR" sz="1100">
-              <a:solidFill>
-                <a:schemeClr val="dk1"/>
-              </a:solidFill>
-            </a:endParaRPr>
-          </a:p>
-          <a:p>
-            <a:pPr marL="914400" lvl="1" indent="-298450" algn="l" rtl="0">
-              <a:spcBef>
-                <a:spcPts val="0"/>
-              </a:spcBef>
-              <a:spcAft>
-                <a:spcPts val="0"/>
-              </a:spcAft>
-              <a:buClr>
-                <a:schemeClr val="dk1"/>
-              </a:buClr>
-              <a:buSzPts val="1100"/>
-              <a:buFont typeface="+mj-lt"/>
-              <a:buAutoNum type="alphaLcParenR"/>
-            </a:pPr>
-            <a:r>
-              <a:rPr lang="pt-BR" sz="1100">
-                <a:solidFill>
-                  <a:schemeClr val="dk1"/>
-                </a:solidFill>
-              </a:rPr>
-              <a:t>Aleatoriamente escolhemos </a:t>
-            </a:r>
-            <a:r>
-              <a:rPr lang="pt-BR" sz="1100" i="1">
-                <a:solidFill>
-                  <a:schemeClr val="dk1"/>
-                </a:solidFill>
-              </a:rPr>
-              <a:t>c </a:t>
-            </a:r>
-            <a:r>
-              <a:rPr lang="pt-BR" sz="1100">
-                <a:solidFill>
-                  <a:schemeClr val="dk1"/>
-                </a:solidFill>
-              </a:rPr>
-              <a:t>protótipos para obtermos </a:t>
-            </a:r>
-            <a:r>
-              <a:rPr lang="pt-BR" sz="1100" b="1" i="1">
-                <a:solidFill>
-                  <a:schemeClr val="dk1"/>
-                </a:solidFill>
-              </a:rPr>
-              <a:t>g</a:t>
-            </a:r>
-            <a:r>
-              <a:rPr lang="pt-BR" sz="1100" i="1">
-                <a:solidFill>
-                  <a:schemeClr val="dk1"/>
-                </a:solidFill>
-              </a:rPr>
-              <a:t> </a:t>
-            </a:r>
-            <a:r>
-              <a:rPr lang="pt-BR" sz="1100">
-                <a:solidFill>
-                  <a:schemeClr val="dk1"/>
-                </a:solidFill>
-              </a:rPr>
-              <a:t>de tal forma que</a:t>
-            </a:r>
-            <a:endParaRPr lang="pt-BR" sz="1100">
-              <a:solidFill>
-                <a:schemeClr val="dk1"/>
-              </a:solidFill>
-            </a:endParaRPr>
-          </a:p>
-          <a:p>
-            <a:pPr marL="914400" lvl="1" indent="-298450" algn="l" rtl="0">
-              <a:spcBef>
-                <a:spcPts val="0"/>
-              </a:spcBef>
-              <a:spcAft>
-                <a:spcPts val="0"/>
-              </a:spcAft>
-              <a:buClr>
-                <a:schemeClr val="dk1"/>
-              </a:buClr>
-              <a:buSzPts val="1100"/>
-              <a:buFont typeface="+mj-lt"/>
-              <a:buAutoNum type="alphaLcParenR"/>
-            </a:pPr>
-            <a:endParaRPr lang="pt-BR" sz="1100">
-              <a:solidFill>
-                <a:schemeClr val="dk1"/>
-              </a:solidFill>
-            </a:endParaRPr>
-          </a:p>
-          <a:p>
-            <a:pPr marL="914400" lvl="1" indent="-298450" algn="l" rtl="0">
-              <a:spcBef>
-                <a:spcPts val="0"/>
-              </a:spcBef>
-              <a:spcAft>
-                <a:spcPts val="0"/>
-              </a:spcAft>
-              <a:buClr>
-                <a:schemeClr val="dk1"/>
-              </a:buClr>
-              <a:buSzPts val="1100"/>
-              <a:buFont typeface="+mj-lt"/>
-              <a:buAutoNum type="alphaLcParenR"/>
-            </a:pPr>
-            <a:r>
-              <a:rPr lang="pt-BR" sz="1100">
-                <a:solidFill>
-                  <a:schemeClr val="dk1"/>
-                </a:solidFill>
-              </a:rPr>
-              <a:t>Computamos o grau de pertencimento </a:t>
-            </a:r>
-            <a:r>
-              <a:rPr lang="pt-BR" sz="1100" i="1">
-                <a:solidFill>
-                  <a:schemeClr val="dk1"/>
-                </a:solidFill>
-              </a:rPr>
-              <a:t>u</a:t>
-            </a:r>
-            <a:r>
-              <a:rPr lang="pt-BR" sz="1100" i="1" baseline="-25000">
-                <a:solidFill>
-                  <a:schemeClr val="dk1"/>
-                </a:solidFill>
-              </a:rPr>
-              <a:t>ki  </a:t>
-            </a:r>
-            <a:r>
-              <a:rPr lang="pt-BR" sz="1100">
-                <a:solidFill>
-                  <a:schemeClr val="dk1"/>
-                </a:solidFill>
-              </a:rPr>
-              <a:t>usando a equação</a:t>
-            </a:r>
-            <a:endParaRPr lang="pt-BR" sz="1100">
-              <a:solidFill>
-                <a:schemeClr val="dk1"/>
-              </a:solidFill>
-            </a:endParaRPr>
-          </a:p>
-          <a:p>
-            <a:pPr marL="914400" lvl="1" indent="-298450" algn="l" rtl="0">
-              <a:spcBef>
-                <a:spcPts val="0"/>
-              </a:spcBef>
-              <a:spcAft>
-                <a:spcPts val="0"/>
-              </a:spcAft>
-              <a:buClr>
-                <a:schemeClr val="dk1"/>
-              </a:buClr>
-              <a:buSzPts val="1100"/>
-              <a:buAutoNum type="arabicPeriod"/>
-            </a:pPr>
-            <a:endParaRPr lang="pt-BR" sz="1100">
-              <a:solidFill>
-                <a:schemeClr val="dk1"/>
-              </a:solidFill>
-            </a:endParaRPr>
-          </a:p>
-        </p:txBody>
-      </p:sp>
       <p:pic>
         <p:nvPicPr>
-          <p:cNvPr id="3" name="2384804F-3998-4D57-9195-F3826E402611-1" descr="C:/Users/pichau/AppData/Local/Temp/wpp.mnxsnywpp"/>
+          <p:cNvPr id="1" name="Picture 0"/>
           <p:cNvPicPr>
             <a:picLocks noChangeAspect="1"/>
           </p:cNvPicPr>
           <p:nvPr/>
         </p:nvPicPr>
         <p:blipFill>
-          <a:blip r:embed="rId1">
-            <a:extLst>
-              <a:ext uri="{96DAC541-7B7A-43D3-8B79-37D633B846F1}">
-                <asvg:svgBlip xmlns:asvg="http://schemas.microsoft.com/office/drawing/2016/SVG/main" r:embed="rId2"/>
-              </a:ext>
-            </a:extLst>
-          </a:blip>
+          <a:blip r:embed="rId1"/>
           <a:stretch>
             <a:fillRect/>
           </a:stretch>
         </p:blipFill>
         <p:spPr>
           <a:xfrm>
-            <a:off x="2127885" y="1831340"/>
-            <a:ext cx="800100" cy="247015"/>
+            <a:off x="913130" y="1231900"/>
+            <a:ext cx="7317105" cy="2635885"/>
           </a:xfrm>
           <a:prstGeom prst="rect">
             <a:avLst/>
           </a:prstGeom>
+          <a:ln w="12700" cmpd="sng">
+            <a:solidFill>
+              <a:schemeClr val="accent1">
+                <a:shade val="50000"/>
+              </a:schemeClr>
+            </a:solidFill>
+            <a:prstDash val="solid"/>
+          </a:ln>
         </p:spPr>
       </p:pic>
-      <p:pic>
-        <p:nvPicPr>
-          <p:cNvPr id="2" name="2384804F-3998-4D57-9195-F3826E402611-2" descr="C:/Users/pichau/AppData/Local/Temp/wpp.zyaTyRwpp"/>
-          <p:cNvPicPr>
-            <a:picLocks noChangeAspect="1"/>
-          </p:cNvPicPr>
+      <p:sp>
+        <p:nvSpPr>
+          <p:cNvPr id="71" name="Google Shape;71;g20df27f22b9_0_6"/>
+          <p:cNvSpPr txBox="1"/>
           <p:nvPr/>
-        </p:nvPicPr>
-        <p:blipFill>
-          <a:blip r:embed="rId3">
-            <a:extLst>
-              <a:ext uri="{96DAC541-7B7A-43D3-8B79-37D633B846F1}">
-                <asvg:svgBlip xmlns:asvg="http://schemas.microsoft.com/office/drawing/2016/SVG/main" r:embed="rId4"/>
-              </a:ext>
-            </a:extLst>
-          </a:blip>
-          <a:stretch>
-            <a:fillRect/>
-          </a:stretch>
-        </p:blipFill>
+        </p:nvSpPr>
         <p:spPr>
           <a:xfrm>
-            <a:off x="4670425" y="1073785"/>
-            <a:ext cx="1324307" cy="121920"/>
+            <a:off x="132080" y="3315970"/>
+            <a:ext cx="781050" cy="551815"/>
           </a:xfrm>
           <a:prstGeom prst="rect">
             <a:avLst/>
           </a:prstGeom>
+          <a:noFill/>
+          <a:ln>
+            <a:noFill/>
+          </a:ln>
         </p:spPr>
-      </p:pic>
-      <p:pic>
-        <p:nvPicPr>
-          <p:cNvPr id="1" name="2384804F-3998-4D57-9195-F3826E402611-3" descr="C:/Users/pichau/AppData/Local/Temp/wpp.gWRLOlwpp"/>
-          <p:cNvPicPr>
-            <a:picLocks noChangeAspect="1"/>
-          </p:cNvPicPr>
-          <p:nvPr/>
-        </p:nvPicPr>
-        <p:blipFill>
-          <a:blip r:embed="rId5">
-            <a:extLst>
-              <a:ext uri="{96DAC541-7B7A-43D3-8B79-37D633B846F1}">
-                <asvg:svgBlip xmlns:asvg="http://schemas.microsoft.com/office/drawing/2016/SVG/main" r:embed="rId6"/>
-              </a:ext>
-            </a:extLst>
-          </a:blip>
-          <a:stretch>
-            <a:fillRect/>
-          </a:stretch>
-        </p:blipFill>
-        <p:spPr>
-          <a:xfrm>
-            <a:off x="1486535" y="2221865"/>
-            <a:ext cx="895170" cy="121920"/>
-          </a:xfrm>
-          <a:prstGeom prst="rect">
-            <a:avLst/>
-          </a:prstGeom>
-        </p:spPr>
-      </p:pic>
+        <p:txBody>
+          <a:bodyPr spcFirstLastPara="1" wrap="square" lIns="91425" tIns="91425" rIns="91425" bIns="91425" anchor="t" anchorCtr="0">
+            <a:noAutofit/>
+          </a:bodyPr>
+          <a:p>
+            <a:pPr marL="0" lvl="0" indent="0" algn="l" rtl="0">
+              <a:spcBef>
+                <a:spcPts val="0"/>
+              </a:spcBef>
+              <a:spcAft>
+                <a:spcPts val="0"/>
+              </a:spcAft>
+              <a:buNone/>
+            </a:pPr>
+            <a:r>
+              <a:rPr lang="pt-BR" sz="800">
+                <a:solidFill>
+                  <a:schemeClr val="dk1"/>
+                </a:solidFill>
+              </a:rPr>
+              <a:t>Trecho retirado do relatório</a:t>
+            </a:r>
+            <a:endParaRPr sz="800">
+              <a:solidFill>
+                <a:schemeClr val="dk1"/>
+              </a:solidFill>
+            </a:endParaRPr>
+          </a:p>
+        </p:txBody>
+      </p:sp>
     </p:spTree>
   </p:cSld>
   <p:clrMapOvr>
@@ -8699,6 +8884,444 @@
 </file>
 
 <file path=ppt/slides/slide5.xml><?xml version="1.0" encoding="utf-8"?>
+<p:sld xmlns:a="http://schemas.openxmlformats.org/drawingml/2006/main" xmlns:r="http://schemas.openxmlformats.org/officeDocument/2006/relationships" xmlns:p="http://schemas.openxmlformats.org/presentationml/2006/main">
+  <p:cSld>
+    <p:spTree>
+      <p:nvGrpSpPr>
+        <p:cNvPr id="77" name="Shape 77"/>
+        <p:cNvGrpSpPr/>
+        <p:nvPr/>
+      </p:nvGrpSpPr>
+      <p:grpSpPr>
+        <a:xfrm>
+          <a:off x="0" y="0"/>
+          <a:ext cx="0" cy="0"/>
+          <a:chOff x="0" y="0"/>
+          <a:chExt cx="0" cy="0"/>
+        </a:xfrm>
+      </p:grpSpPr>
+      <p:sp>
+        <p:nvSpPr>
+          <p:cNvPr id="78" name="Google Shape;78;g20df27f22b9_0_37"/>
+          <p:cNvSpPr txBox="1"/>
+          <p:nvPr>
+            <p:ph type="ctrTitle"/>
+          </p:nvPr>
+        </p:nvSpPr>
+        <p:spPr>
+          <a:xfrm>
+            <a:off x="322800" y="91710"/>
+            <a:ext cx="6663000" cy="1102500"/>
+          </a:xfrm>
+          <a:prstGeom prst="rect">
+            <a:avLst/>
+          </a:prstGeom>
+        </p:spPr>
+        <p:txBody>
+          <a:bodyPr spcFirstLastPara="1" wrap="square" lIns="91425" tIns="45700" rIns="91425" bIns="45700" anchor="ctr" anchorCtr="0">
+            <a:normAutofit/>
+          </a:bodyPr>
+          <a:lstStyle/>
+          <a:p>
+            <a:pPr marL="0" lvl="0" indent="0" algn="l" rtl="0">
+              <a:spcBef>
+                <a:spcPts val="0"/>
+              </a:spcBef>
+              <a:spcAft>
+                <a:spcPts val="0"/>
+              </a:spcAft>
+              <a:buNone/>
+            </a:pPr>
+            <a:r>
+              <a:rPr lang="pt-BR"/>
+              <a:t>Funcionamento do Algoritmo KFCM-K-W.1</a:t>
+            </a:r>
+            <a:endParaRPr lang="pt-BR"/>
+          </a:p>
+        </p:txBody>
+      </p:sp>
+      <p:pic>
+        <p:nvPicPr>
+          <p:cNvPr id="2" name="Picture 1"/>
+          <p:cNvPicPr>
+            <a:picLocks noChangeAspect="1"/>
+          </p:cNvPicPr>
+          <p:nvPr/>
+        </p:nvPicPr>
+        <p:blipFill>
+          <a:blip r:embed="rId1"/>
+          <a:stretch>
+            <a:fillRect/>
+          </a:stretch>
+        </p:blipFill>
+        <p:spPr>
+          <a:xfrm>
+            <a:off x="1190625" y="1090295"/>
+            <a:ext cx="6762750" cy="2962275"/>
+          </a:xfrm>
+          <a:prstGeom prst="rect">
+            <a:avLst/>
+          </a:prstGeom>
+          <a:ln w="12700" cmpd="sng">
+            <a:solidFill>
+              <a:schemeClr val="accent1">
+                <a:shade val="50000"/>
+              </a:schemeClr>
+            </a:solidFill>
+            <a:prstDash val="solid"/>
+          </a:ln>
+        </p:spPr>
+      </p:pic>
+      <p:sp>
+        <p:nvSpPr>
+          <p:cNvPr id="71" name="Google Shape;71;g20df27f22b9_0_6"/>
+          <p:cNvSpPr txBox="1"/>
+          <p:nvPr/>
+        </p:nvSpPr>
+        <p:spPr>
+          <a:xfrm>
+            <a:off x="409575" y="3500755"/>
+            <a:ext cx="781050" cy="551815"/>
+          </a:xfrm>
+          <a:prstGeom prst="rect">
+            <a:avLst/>
+          </a:prstGeom>
+          <a:noFill/>
+          <a:ln>
+            <a:noFill/>
+          </a:ln>
+        </p:spPr>
+        <p:txBody>
+          <a:bodyPr spcFirstLastPara="1" wrap="square" lIns="91425" tIns="91425" rIns="91425" bIns="91425" anchor="t" anchorCtr="0">
+            <a:noAutofit/>
+          </a:bodyPr>
+          <a:p>
+            <a:pPr marL="0" lvl="0" indent="0" algn="l" rtl="0">
+              <a:spcBef>
+                <a:spcPts val="0"/>
+              </a:spcBef>
+              <a:spcAft>
+                <a:spcPts val="0"/>
+              </a:spcAft>
+              <a:buNone/>
+            </a:pPr>
+            <a:r>
+              <a:rPr lang="pt-BR" sz="800">
+                <a:solidFill>
+                  <a:schemeClr val="dk1"/>
+                </a:solidFill>
+              </a:rPr>
+              <a:t>Trecho retirado do relatório</a:t>
+            </a:r>
+            <a:endParaRPr sz="800">
+              <a:solidFill>
+                <a:schemeClr val="dk1"/>
+              </a:solidFill>
+            </a:endParaRPr>
+          </a:p>
+        </p:txBody>
+      </p:sp>
+    </p:spTree>
+  </p:cSld>
+  <p:clrMapOvr>
+    <a:masterClrMapping/>
+  </p:clrMapOvr>
+</p:sld>
+</file>
+
+<file path=ppt/slides/slide6.xml><?xml version="1.0" encoding="utf-8"?>
+<p:sld xmlns:a="http://schemas.openxmlformats.org/drawingml/2006/main" xmlns:r="http://schemas.openxmlformats.org/officeDocument/2006/relationships" xmlns:p="http://schemas.openxmlformats.org/presentationml/2006/main">
+  <p:cSld>
+    <p:spTree>
+      <p:nvGrpSpPr>
+        <p:cNvPr id="77" name="Shape 77"/>
+        <p:cNvGrpSpPr/>
+        <p:nvPr/>
+      </p:nvGrpSpPr>
+      <p:grpSpPr>
+        <a:xfrm>
+          <a:off x="0" y="0"/>
+          <a:ext cx="0" cy="0"/>
+          <a:chOff x="0" y="0"/>
+          <a:chExt cx="0" cy="0"/>
+        </a:xfrm>
+      </p:grpSpPr>
+      <p:sp>
+        <p:nvSpPr>
+          <p:cNvPr id="78" name="Google Shape;78;g20df27f22b9_0_37"/>
+          <p:cNvSpPr txBox="1"/>
+          <p:nvPr>
+            <p:ph type="ctrTitle"/>
+          </p:nvPr>
+        </p:nvSpPr>
+        <p:spPr>
+          <a:xfrm>
+            <a:off x="322800" y="91710"/>
+            <a:ext cx="6663000" cy="1102500"/>
+          </a:xfrm>
+          <a:prstGeom prst="rect">
+            <a:avLst/>
+          </a:prstGeom>
+        </p:spPr>
+        <p:txBody>
+          <a:bodyPr spcFirstLastPara="1" wrap="square" lIns="91425" tIns="45700" rIns="91425" bIns="45700" anchor="ctr" anchorCtr="0">
+            <a:normAutofit/>
+          </a:bodyPr>
+          <a:lstStyle/>
+          <a:p>
+            <a:pPr marL="0" lvl="0" indent="0" algn="l" rtl="0">
+              <a:spcBef>
+                <a:spcPts val="0"/>
+              </a:spcBef>
+              <a:spcAft>
+                <a:spcPts val="0"/>
+              </a:spcAft>
+              <a:buNone/>
+            </a:pPr>
+            <a:r>
+              <a:rPr lang="pt-BR"/>
+              <a:t>Funcionamento do Algoritmo KFCM-K-W.1</a:t>
+            </a:r>
+            <a:endParaRPr lang="pt-BR"/>
+          </a:p>
+        </p:txBody>
+      </p:sp>
+      <p:pic>
+        <p:nvPicPr>
+          <p:cNvPr id="1" name="Picture 0"/>
+          <p:cNvPicPr>
+            <a:picLocks noChangeAspect="1"/>
+          </p:cNvPicPr>
+          <p:nvPr/>
+        </p:nvPicPr>
+        <p:blipFill>
+          <a:blip r:embed="rId1"/>
+          <a:stretch>
+            <a:fillRect/>
+          </a:stretch>
+        </p:blipFill>
+        <p:spPr>
+          <a:xfrm>
+            <a:off x="1226820" y="1023620"/>
+            <a:ext cx="6690360" cy="3618230"/>
+          </a:xfrm>
+          <a:prstGeom prst="rect">
+            <a:avLst/>
+          </a:prstGeom>
+          <a:ln w="12700" cmpd="sng">
+            <a:solidFill>
+              <a:schemeClr val="accent1">
+                <a:shade val="50000"/>
+              </a:schemeClr>
+            </a:solidFill>
+            <a:prstDash val="solid"/>
+          </a:ln>
+        </p:spPr>
+      </p:pic>
+      <p:sp>
+        <p:nvSpPr>
+          <p:cNvPr id="71" name="Google Shape;71;g20df27f22b9_0_6"/>
+          <p:cNvSpPr txBox="1"/>
+          <p:nvPr/>
+        </p:nvSpPr>
+        <p:spPr>
+          <a:xfrm>
+            <a:off x="445770" y="4090035"/>
+            <a:ext cx="781050" cy="551815"/>
+          </a:xfrm>
+          <a:prstGeom prst="rect">
+            <a:avLst/>
+          </a:prstGeom>
+          <a:noFill/>
+          <a:ln>
+            <a:noFill/>
+          </a:ln>
+        </p:spPr>
+        <p:txBody>
+          <a:bodyPr spcFirstLastPara="1" wrap="square" lIns="91425" tIns="91425" rIns="91425" bIns="91425" anchor="t" anchorCtr="0">
+            <a:noAutofit/>
+          </a:bodyPr>
+          <a:p>
+            <a:pPr marL="0" lvl="0" indent="0" algn="l" rtl="0">
+              <a:spcBef>
+                <a:spcPts val="0"/>
+              </a:spcBef>
+              <a:spcAft>
+                <a:spcPts val="0"/>
+              </a:spcAft>
+              <a:buNone/>
+            </a:pPr>
+            <a:r>
+              <a:rPr lang="pt-BR" sz="800">
+                <a:solidFill>
+                  <a:schemeClr val="dk1"/>
+                </a:solidFill>
+              </a:rPr>
+              <a:t>Trecho retirado do relatório</a:t>
+            </a:r>
+            <a:endParaRPr sz="800">
+              <a:solidFill>
+                <a:schemeClr val="dk1"/>
+              </a:solidFill>
+            </a:endParaRPr>
+          </a:p>
+        </p:txBody>
+      </p:sp>
+    </p:spTree>
+  </p:cSld>
+  <p:clrMapOvr>
+    <a:masterClrMapping/>
+  </p:clrMapOvr>
+</p:sld>
+</file>
+
+<file path=ppt/slides/slide7.xml><?xml version="1.0" encoding="utf-8"?>
+<p:sld xmlns:a="http://schemas.openxmlformats.org/drawingml/2006/main" xmlns:r="http://schemas.openxmlformats.org/officeDocument/2006/relationships" xmlns:p="http://schemas.openxmlformats.org/presentationml/2006/main">
+  <p:cSld>
+    <p:spTree>
+      <p:nvGrpSpPr>
+        <p:cNvPr id="77" name="Shape 77"/>
+        <p:cNvGrpSpPr/>
+        <p:nvPr/>
+      </p:nvGrpSpPr>
+      <p:grpSpPr>
+        <a:xfrm>
+          <a:off x="0" y="0"/>
+          <a:ext cx="0" cy="0"/>
+          <a:chOff x="0" y="0"/>
+          <a:chExt cx="0" cy="0"/>
+        </a:xfrm>
+      </p:grpSpPr>
+      <p:sp>
+        <p:nvSpPr>
+          <p:cNvPr id="78" name="Google Shape;78;g20df27f22b9_0_37"/>
+          <p:cNvSpPr txBox="1"/>
+          <p:nvPr>
+            <p:ph type="ctrTitle"/>
+          </p:nvPr>
+        </p:nvSpPr>
+        <p:spPr>
+          <a:xfrm>
+            <a:off x="322800" y="91710"/>
+            <a:ext cx="6663000" cy="1102500"/>
+          </a:xfrm>
+          <a:prstGeom prst="rect">
+            <a:avLst/>
+          </a:prstGeom>
+        </p:spPr>
+        <p:txBody>
+          <a:bodyPr spcFirstLastPara="1" wrap="square" lIns="91425" tIns="45700" rIns="91425" bIns="45700" anchor="ctr" anchorCtr="0">
+            <a:normAutofit/>
+          </a:bodyPr>
+          <a:lstStyle/>
+          <a:p>
+            <a:pPr marL="0" lvl="0" indent="0" algn="l" rtl="0">
+              <a:spcBef>
+                <a:spcPts val="0"/>
+              </a:spcBef>
+              <a:spcAft>
+                <a:spcPts val="0"/>
+              </a:spcAft>
+              <a:buNone/>
+            </a:pPr>
+            <a:r>
+              <a:rPr lang="pt-BR"/>
+              <a:t>Funcionamento do Algoritmo KFCM-K-W.1</a:t>
+            </a:r>
+            <a:endParaRPr lang="pt-BR"/>
+          </a:p>
+        </p:txBody>
+      </p:sp>
+      <p:pic>
+        <p:nvPicPr>
+          <p:cNvPr id="2" name="Picture 1"/>
+          <p:cNvPicPr>
+            <a:picLocks noChangeAspect="1"/>
+          </p:cNvPicPr>
+          <p:nvPr/>
+        </p:nvPicPr>
+        <p:blipFill>
+          <a:blip r:embed="rId1"/>
+          <a:stretch>
+            <a:fillRect/>
+          </a:stretch>
+        </p:blipFill>
+        <p:spPr>
+          <a:xfrm>
+            <a:off x="1849755" y="1056640"/>
+            <a:ext cx="5444490" cy="3532505"/>
+          </a:xfrm>
+          <a:prstGeom prst="rect">
+            <a:avLst/>
+          </a:prstGeom>
+          <a:ln w="12700" cmpd="sng">
+            <a:solidFill>
+              <a:schemeClr val="accent1">
+                <a:shade val="50000"/>
+              </a:schemeClr>
+            </a:solidFill>
+            <a:prstDash val="solid"/>
+          </a:ln>
+        </p:spPr>
+      </p:pic>
+      <p:sp>
+        <p:nvSpPr>
+          <p:cNvPr id="71" name="Google Shape;71;g20df27f22b9_0_6"/>
+          <p:cNvSpPr txBox="1"/>
+          <p:nvPr/>
+        </p:nvSpPr>
+        <p:spPr>
+          <a:xfrm>
+            <a:off x="1068705" y="4037330"/>
+            <a:ext cx="781050" cy="551815"/>
+          </a:xfrm>
+          <a:prstGeom prst="rect">
+            <a:avLst/>
+          </a:prstGeom>
+          <a:noFill/>
+          <a:ln>
+            <a:noFill/>
+          </a:ln>
+        </p:spPr>
+        <p:txBody>
+          <a:bodyPr spcFirstLastPara="1" wrap="square" lIns="91425" tIns="91425" rIns="91425" bIns="91425" anchor="t" anchorCtr="0">
+            <a:noAutofit/>
+          </a:bodyPr>
+          <a:p>
+            <a:pPr marL="0" lvl="0" indent="0" algn="l" rtl="0">
+              <a:spcBef>
+                <a:spcPts val="0"/>
+              </a:spcBef>
+              <a:spcAft>
+                <a:spcPts val="0"/>
+              </a:spcAft>
+              <a:buNone/>
+            </a:pPr>
+            <a:r>
+              <a:rPr lang="pt-BR" sz="800">
+                <a:solidFill>
+                  <a:schemeClr val="dk1"/>
+                </a:solidFill>
+              </a:rPr>
+              <a:t>Trecho retirado do relatório</a:t>
+            </a:r>
+            <a:endParaRPr sz="800">
+              <a:solidFill>
+                <a:schemeClr val="dk1"/>
+              </a:solidFill>
+            </a:endParaRPr>
+          </a:p>
+        </p:txBody>
+      </p:sp>
+    </p:spTree>
+  </p:cSld>
+  <p:clrMapOvr>
+    <a:masterClrMapping/>
+  </p:clrMapOvr>
+</p:sld>
+</file>
+
+<file path=ppt/slides/slide8.xml><?xml version="1.0" encoding="utf-8"?>
 <p:sld xmlns:a="http://schemas.openxmlformats.org/drawingml/2006/main" xmlns:r="http://schemas.openxmlformats.org/officeDocument/2006/relationships" xmlns:p="http://schemas.openxmlformats.org/presentationml/2006/main">
   <p:cSld>
     <p:spTree>
@@ -8799,7 +9422,7 @@
 </p:sld>
 </file>
 
-<file path=ppt/slides/slide6.xml><?xml version="1.0" encoding="utf-8"?>
+<file path=ppt/slides/slide9.xml><?xml version="1.0" encoding="utf-8"?>
 <p:sld xmlns:a="http://schemas.openxmlformats.org/drawingml/2006/main" xmlns:r="http://schemas.openxmlformats.org/officeDocument/2006/relationships" xmlns:p="http://schemas.openxmlformats.org/presentationml/2006/main">
   <p:cSld>
     <p:spTree>
@@ -8892,188 +9515,6 @@
           </a:ln>
         </p:spPr>
       </p:pic>
-    </p:spTree>
-  </p:cSld>
-  <p:clrMapOvr>
-    <a:masterClrMapping/>
-  </p:clrMapOvr>
-</p:sld>
-</file>
-
-<file path=ppt/slides/slide7.xml><?xml version="1.0" encoding="utf-8"?>
-<p:sld xmlns:a="http://schemas.openxmlformats.org/drawingml/2006/main" xmlns:r="http://schemas.openxmlformats.org/officeDocument/2006/relationships" xmlns:p="http://schemas.openxmlformats.org/presentationml/2006/main">
-  <p:cSld>
-    <p:spTree>
-      <p:nvGrpSpPr>
-        <p:cNvPr id="98" name="Shape 98"/>
-        <p:cNvGrpSpPr/>
-        <p:nvPr/>
-      </p:nvGrpSpPr>
-      <p:grpSpPr>
-        <a:xfrm>
-          <a:off x="0" y="0"/>
-          <a:ext cx="0" cy="0"/>
-          <a:chOff x="0" y="0"/>
-          <a:chExt cx="0" cy="0"/>
-        </a:xfrm>
-      </p:grpSpPr>
-      <p:sp>
-        <p:nvSpPr>
-          <p:cNvPr id="99" name="Google Shape;99;g20df27f22b9_0_0"/>
-          <p:cNvSpPr txBox="1"/>
-          <p:nvPr>
-            <p:ph type="ctrTitle"/>
-          </p:nvPr>
-        </p:nvSpPr>
-        <p:spPr>
-          <a:xfrm>
-            <a:off x="251520" y="441213"/>
-            <a:ext cx="7772400" cy="1102500"/>
-          </a:xfrm>
-          <a:prstGeom prst="rect">
-            <a:avLst/>
-          </a:prstGeom>
-          <a:noFill/>
-          <a:ln>
-            <a:noFill/>
-          </a:ln>
-        </p:spPr>
-        <p:txBody>
-          <a:bodyPr spcFirstLastPara="1" wrap="square" lIns="91425" tIns="45700" rIns="91425" bIns="45700" anchor="ctr" anchorCtr="0">
-            <a:normAutofit/>
-          </a:bodyPr>
-          <a:lstStyle/>
-          <a:p>
-            <a:pPr marL="0" lvl="0" indent="0" algn="l" rtl="0">
-              <a:spcBef>
-                <a:spcPts val="0"/>
-              </a:spcBef>
-              <a:spcAft>
-                <a:spcPts val="0"/>
-              </a:spcAft>
-              <a:buClr>
-                <a:srgbClr val="DB1E2F"/>
-              </a:buClr>
-              <a:buSzPts val="2500"/>
-              <a:buFont typeface="Arial" panose="020B0604020202020204"/>
-              <a:buNone/>
-            </a:pPr>
-            <a:r>
-              <a:rPr lang="pt-BR"/>
-              <a:t>Questão 2</a:t>
-            </a:r>
-            <a:endParaRPr lang="pt-BR"/>
-          </a:p>
-        </p:txBody>
-      </p:sp>
-      <p:sp>
-        <p:nvSpPr>
-          <p:cNvPr id="100" name="Google Shape;100;g20df27f22b9_0_0"/>
-          <p:cNvSpPr txBox="1"/>
-          <p:nvPr>
-            <p:ph type="subTitle" idx="1"/>
-          </p:nvPr>
-        </p:nvSpPr>
-        <p:spPr>
-          <a:xfrm>
-            <a:off x="251520" y="1707654"/>
-            <a:ext cx="6400800" cy="1314600"/>
-          </a:xfrm>
-          <a:prstGeom prst="rect">
-            <a:avLst/>
-          </a:prstGeom>
-          <a:noFill/>
-          <a:ln>
-            <a:noFill/>
-          </a:ln>
-        </p:spPr>
-        <p:txBody>
-          <a:bodyPr spcFirstLastPara="1" wrap="square" lIns="91425" tIns="45700" rIns="91425" bIns="45700" anchor="t" anchorCtr="0">
-            <a:normAutofit/>
-          </a:bodyPr>
-          <a:lstStyle/>
-          <a:p>
-            <a:pPr marL="0" lvl="0" indent="0" algn="l" rtl="0">
-              <a:spcBef>
-                <a:spcPts val="0"/>
-              </a:spcBef>
-              <a:spcAft>
-                <a:spcPts val="0"/>
-              </a:spcAft>
-              <a:buClr>
-                <a:srgbClr val="888888"/>
-              </a:buClr>
-              <a:buSzPts val="2000"/>
-              <a:buNone/>
-            </a:pPr>
-          </a:p>
-        </p:txBody>
-      </p:sp>
-    </p:spTree>
-  </p:cSld>
-  <p:clrMapOvr>
-    <a:masterClrMapping/>
-  </p:clrMapOvr>
-</p:sld>
-</file>
-
-<file path=ppt/slides/slide8.xml><?xml version="1.0" encoding="utf-8"?>
-<p:sld xmlns:a="http://schemas.openxmlformats.org/drawingml/2006/main" xmlns:r="http://schemas.openxmlformats.org/officeDocument/2006/relationships" xmlns:p="http://schemas.openxmlformats.org/presentationml/2006/main">
-  <p:cSld>
-    <p:spTree>
-      <p:nvGrpSpPr>
-        <p:cNvPr id="105" name="Shape 105"/>
-        <p:cNvGrpSpPr/>
-        <p:nvPr/>
-      </p:nvGrpSpPr>
-      <p:grpSpPr>
-        <a:xfrm>
-          <a:off x="0" y="0"/>
-          <a:ext cx="0" cy="0"/>
-          <a:chOff x="0" y="0"/>
-          <a:chExt cx="0" cy="0"/>
-        </a:xfrm>
-      </p:grpSpPr>
-      <p:sp>
-        <p:nvSpPr>
-          <p:cNvPr id="106" name="Google Shape;106;g20df27f22b9_0_12"/>
-          <p:cNvSpPr txBox="1"/>
-          <p:nvPr>
-            <p:ph type="subTitle" idx="1"/>
-          </p:nvPr>
-        </p:nvSpPr>
-        <p:spPr>
-          <a:xfrm>
-            <a:off x="1371600" y="623250"/>
-            <a:ext cx="6400800" cy="3606000"/>
-          </a:xfrm>
-          <a:prstGeom prst="rect">
-            <a:avLst/>
-          </a:prstGeom>
-        </p:spPr>
-        <p:txBody>
-          <a:bodyPr spcFirstLastPara="1" wrap="square" lIns="91425" tIns="45700" rIns="91425" bIns="45700" anchor="t" anchorCtr="0">
-            <a:normAutofit/>
-          </a:bodyPr>
-          <a:lstStyle/>
-          <a:p>
-            <a:pPr marL="0" lvl="0" indent="0" algn="l" rtl="0">
-              <a:spcBef>
-                <a:spcPts val="400"/>
-              </a:spcBef>
-              <a:spcAft>
-                <a:spcPts val="0"/>
-              </a:spcAft>
-              <a:buNone/>
-            </a:pPr>
-            <a:endParaRPr>
-              <a:solidFill>
-                <a:schemeClr val="dk1"/>
-              </a:solidFill>
-            </a:endParaRPr>
-          </a:p>
-        </p:txBody>
-      </p:sp>
     </p:spTree>
   </p:cSld>
   <p:clrMapOvr>
@@ -9648,28 +10089,4 @@
     </a:ext>
   </a:extLst>
 </a:theme>
-</file>
-
-<file path=customXml/item1.xml><?xml version="1.0" encoding="utf-8"?>
-<s:customData xmlns="http://www.wps.cn/officeDocument/2013/wpsCustomData" xmlns:s="http://www.wps.cn/officeDocument/2013/wpsCustomData">
-  <extobjs>
-    <extobj name="2384804F-3998-4D57-9195-F3826E402611-1">
-      <extobjdata type="2384804F-3998-4D57-9195-F3826E402611" data="ewoJIkltZ1NldHRpbmdKc29uIiA6ICJ7XCJoZWlnaHRcIjo0NS41MzU3MTQyODU3MTQyODUsXCJ3aWR0aFwiOjE0OC4yMTQyODU3MTQyODU3fSIsCgkiTGF0ZXgiIDogIlxcZnJhY3sxfXtzX2peMn0gXFxsZWZ0YXJyb3cgMSxcXCxcXCxcXCwxXFxsZXFzbGFudCBqIFxcbGVxc2xhbnQgcCIsCgkiTGF0ZXhJbWdCYXNlNjQiIDogIlBITjJaeUI0Yld4dWN6MGlhSFIwY0RvdkwzZDNkeTUzTXk1dmNtY3ZNakF3TUM5emRtY2lJSGRwWkhSb1BTSXhPUzR3TjJWNElpQm9aV2xuYUhROUlqVXVPREF5WlhnaUlISnZiR1U5SW1sdFp5SWdabTlqZFhOaFlteGxQU0ptWVd4elpTSWdkbWxsZDBKdmVEMGlNQ0F0TVRNME1pQTROREk0TGprZ01qVTJOQzQySWlCNGJXeHVjenA0YkdsdWF6MGlhSFIwY0RvdkwzZDNkeTUzTXk1dmNtY3ZNVGs1T1M5NGJHbHVheUlnWVhKcFlTMW9hV1JrWlc0OUluUnlkV1VpSUhOMGVXeGxQU0oyWlhKMGFXTmhiQzFoYkdsbmJqb2dMVEl1TnpZMlpYZzdJRzFoZUMxM2FXUjBhRG9nT1RnbE95SStQR1JsWm5NK1BIQmhkR2dnYVdROUlrMUtXQzAyT0MxVVJWZ3RUaTB6TVNJZ1pEMGlUVEl4TXlBMU56aE1NakF3SURVM00xRXhPRFlnTlRZNElERTJNQ0ExTmpOVU1UQXlJRFUxTmtnNE0xWTJNREpJTVRBeVVURTBPU0EyTURRZ01UZzVJRFl4TjFReU5EVWdOalF4VkRJM015QTJOak5STWpjMUlEWTJOaUF5T0RVZ05qWTJVVEk1TkNBMk5qWWdNekF5SURZMk1GWXpOakZNTXpBeklEWXhVVE14TUNBMU5DQXpNVFVnTlRKVU16TTVJRFE0VkRRd01TQTBOa2cwTWpkV01FZzBNVFpSTXprMUlETWdNalUzSUROUk1USXhJRE1nTVRBd0lEQklPRGhXTkRaSU1URTBVVEV6TmlBME5pQXhOVElnTkRaVU1UYzNJRFEzVkRFNU15QTFNRlF5TURFZ05USlVNakEzSURVM1ZESXhNeUEyTVZZMU56aGFJaTgrUEhCaGRHZ2dhV1E5SWsxS1dDMDJPQzFVUlZndFNTMHhSRFEyTUNJZ1pEMGlUVEV6TVNBeU9EbFJNVE14SURNeU1TQXhORGNnTXpVMFZESXdNeUEwTVRWVU16QXdJRFEwTWxFek5qSWdORFF5SURNNU1DQTBNVFZVTkRFNUlETTFOVkUwTVRrZ016SXpJRFF3TWlBek1EaFVNelkwSURJNU1sRXpOVEVnTWpreUlETTBNQ0F6TURCVU16STRJRE15TmxFek1qZ2dNelF5SURNek55QXpOVFJVTXpVMElETTNNbFF6TmpjZ016YzRVVE0yT0NBek56Z2dNelk0SURNM09WRXpOamdnTXpneUlETTJNU0F6T0RoVU16TTJJRE01T1ZReU9UY2dOREExVVRJME9TQTBNRFVnTWpJM0lETTNPVlF5TURRZ016STJVVEl3TkNBek1ERWdNakl6SURJNU1WUXlOemdnTWpjMFZETXpNQ0F5TlRsUk16azJJREl6TUNBek9UWWdNVFl6VVRNNU5pQXhNelVnTXpnMUlERXdOMVF6TlRJZ05URlVNamc1SURkVU1UazFJQzB4TUZFeE1UZ2dMVEV3SURnMklERTVWRFV6SURnM1VUVXpJREV5TmlBM05DQXhORE5VTVRFNElERTJNRkV4TXpNZ01UWXdJREUwTmlBeE5URlVNVFl3SURFeU1GRXhOakFnT1RRZ01UUXlJRGMyVkRFeE1TQTFPRkV4TURrZ05UY2dNVEE0SURVM1ZERXdOeUExTlZFeE1EZ2dOVElnTVRFMUlEUTNWREUwTmlBek5GUXlNREVnTWpkUk1qTTNJREkzSURJMk15QXpPRlF6TURFZ05qWlVNekU0SURrM1ZETXlNeUF4TWpKUk16SXpJREUxTUNBek1ESWdNVFkwVkRJMU5DQXhPREZVTVRrMUlERTVObFF4TkRnZ01qTXhVVEV6TVNBeU5UWWdNVE14SURJNE9Wb2lMejQ4Y0dGMGFDQnBaRDBpVFVwWUxUWTRMVlJGV0MxT0xUTXlJaUJrUFNKTk1UQTVJRFF5T1ZFNE1pQTBNamtnTmpZZ05EUTNWRFV3SURRNU1WRTFNQ0ExTmpJZ01UQXpJRFl4TkZReU16VWdOalkyVVRNeU5pQTJOallnTXpnM0lEWXhNRlEwTkRrZ05EWTFVVFEwT1NBME1qSWdOREk1SURNNE0xUXpPREVnTXpFMVZETXdNU0F5TkRGUk1qWTFJREl4TUNBeU1ERWdNVFE1VERFME1pQTVNMHd5TVRnZ09USlJNemMxSURreUlETTROU0E1TjFFek9USWdPVGtnTkRBNUlERTRObFl4T0RsSU5EUTVWakU0TmxFME5EZ2dNVGd6SURRek5pQTVOVlEwTWpFZ00xWXdTRFV3VmpFNVZqTXhVVFV3SURNNElEVTJJRFEyVkRnMklEZ3hVVEV4TlNBeE1UTWdNVE0ySURFek4xRXhORFVnTVRRM0lERTNNQ0F4TnpSVU1qQTBJREl4TVZReU16TWdNalEwVkRJMk1TQXlOemhVTWpnMElETXdPRlF6TURVZ016UXdWRE15TUNBek5qbFVNek16SURRd01WUXpOREFnTkRNeFZETTBNeUEwTmpSUk16UXpJRFV5TnlBek1Ea2dOVGN6VkRJeE1pQTJNVGxSTVRjNUlEWXhPU0F4TlRRZ05qQXlWREV4T1NBMU5qbFVNVEE1SURVMU1GRXhNRGtnTlRRNUlERXhOQ0ExTkRsUk1UTXlJRFUwT1NBeE5URWdOVE0xVkRFM01DQTBPRGxSTVRjd0lEUTJOQ0F4TlRRZ05EUTNWREV3T1NBME1qbGFJaTgrUEhCaGRHZ2dhV1E5SWsxS1dDMDJPQzFVUlZndFNTMHhSRFExTnlJZ1pEMGlUVEk1TnlBMU9UWlJNamszSURZeU55QXpNVGdnTmpRMFZETTJNU0EyTmpGUk16YzRJRFkyTVNBek9Ea2dOalV4VkRRd015QTJNak5STkRBeklEVTVOU0F6T0RRZ05UYzJWRE0wTUNBMU5UZFJNekl5SURVMU55QXpNVEFnTlRZM1ZESTVOeUExT1RaYVRUSTRPQ0F6TnpaUk1qZzRJRFF3TlNBeU5qSWdOREExVVRJME1DQTBNRFVnTWpJd0lETTVNMVF4T0RVZ016WXlWREUyTVNBek1qVlVNVFEwSURJNU0wd3hNemNnTWpjNVVURXpOU0F5TnpnZ01USXhJREkzT0VneE1EZFJNVEF4SURJNE5DQXhNREVnTWpnMlZERXdOU0F5T1RsUk1USTJJRE0wT0NBeE5qUWdNemt4VkRJMU1pQTBOREZSTWpVeklEUTBNU0F5TmpBZ05EUXhWREkzTWlBME5ESlJNamsySURRME1TQXpNVFlnTkRNeVVUTTBNU0EwTVRnZ016VTBJRFF3TVZRek5qY2dNelE0VmpNek1rd3pNVGdnTVRNelVUSTJOeUF0TmpjZ01qWTBJQzAzTlZFeU5EWWdMVEV5TlNBeE9UUWdMVEUyTkZRM05TQXRNakEwVVRJMUlDMHlNRFFnTnlBdE1UZ3pWQzB4TWlBdE1UTTNVUzB4TWlBdE1URXdJRGNnTFRreFZEVXpJQzAzTVZFM01DQXROekVnT0RJZ0xUZ3hWRGsxSUMweE1USlJPVFVnTFRFME9DQTJNeUF0TVRZM1VUWTVJQzB4TmpnZ056Y2dMVEUyT0ZFeE1URWdMVEUyT0NBeE16a2dMVEUwTUZReE9ESWdMVGMwVERFNU15QXRNekpSTWpBMElERXhJREl4T1NBM01sUXlOVEVnTVRrM1ZESTNPQ0F6TURoVU1qZzVJRE0yTlZFeU9Ea2dNemN5SURJNE9DQXpOelphSWk4K1BIQmhkR2dnYVdROUlrMUtXQzAyT0MxVVJWZ3RUaTB5TVRrd0lpQmtQU0pOT1RRMElESTJNVlE1TkRRZ01qVXdWRGt5T1NBeU16QklNVFkxVVRFMk55QXlNamdnTVRneUlESXhObFF5TVRFZ01UZzVWREkwTkNBeE5USlVNamMzSURrMlZETXdNeUF5TlZFek1EZ2dOeUF6TURnZ01GRXpNRGdnTFRFeElESTRPQ0F0TVRGUk1qZ3hJQzB4TVNBeU56Z2dMVEV4VkRJM01pQXROMVF5TmpjZ01sUXlOak1nTWpGUk1qUTFJRGswSURFNU5TQXhOVEZVTnpNZ01qTTJVVFU0SURJME1pQTFOU0F5TkRkUk5UVWdNalUwSURVNUlESTFOMVEzTXlBeU5qUlJNVEl4SURJNE15QXhOVGdnTXpFMFZESXhOU0F6TnpWVU1qUTNJRFF6TkZReU5qUWdORGd3VERJMk55QTBPVGRSTWpZNUlEVXdNeUF5TnpBZ05UQTFWREkzTlNBMU1EbFVNamc0SURVeE1WRXpNRGdnTlRFeElETXdPQ0ExTURCUk16QTRJRFE1TXlBek1ETWdORGMxVVRJNU15QTBNemdnTWpjNElEUXdObFF5TkRZZ016VXlWREl4TlNBek1UVlVNVGcxSURJNE4xUXhOalVnTWpjd1NEa3lPVkU1TkRRZ01qWXhJRGswTkNBeU5UQmFJaTgrUEhCaGRHZ2dhV1E5SWsxS1dDMDJPQzFVUlZndFRpMHlReUlnWkQwaVRUYzRJRE0xVkRjNElEWXdWRGswSURFd00xUXhNemNnTVRJeFVURTJOU0F4TWpFZ01UZzNJRGsyVkRJeE1DQTRVVEl4TUNBdE1qY2dNakF4SUMwMk1GUXhPREFnTFRFeE4xUXhOVFFnTFRFMU9GUXhNekFnTFRFNE5WUXhNVGNnTFRFNU5GRXhNVE1nTFRFNU5DQXhNRFFnTFRFNE5WUTVOU0F0TVRjeVVUazFJQzB4TmpnZ01UQTJJQzB4TlRaVU1UTXhJQzB4TWpaVU1UVTNJQzAzTmxReE56TWdMVE5XT1V3eE56SWdPRkV4TnpBZ055QXhOamNnTmxReE5qRWdNMVF4TlRJZ01WUXhOREFnTUZFeE1UTWdNQ0E1TmlBeE4xb2lMejQ4Y0dGMGFDQnBaRDBpVFVwWUxUWTRMVlJGV0MxT0xUSkJOMFFpSUdROUlrMDJOelFnTmpNMlVUWTRNaUEyTXpZZ05qZzRJRFl6TUZRMk9UUWdOakUxVkRZNE55QTJNREZSTmpnMklEWXdNQ0EwTVRjZ05EY3lUREUxTVNBek5EWk1Nems1SURJeU9GRTJPRGNnT1RJZ05qa3hJRGczVVRZNU5DQTRNU0EyT1RRZ056WlJOamswSURVNElEWTNOaUExTmtnMk56Qk1Nemd5SURFNU1sRTVNaUF6TWprZ09UQWdNek14VVRneklETXpOaUE0TXlBek5EaFJPRFFnTXpVNUlEazJJRE0yTlZFeE1EUWdNelk1SURNNE1pQTFNREJVTmpZMUlEWXpORkUyTmprZ05qTTJJRFkzTkNBMk16WmFUVGswSURFM01GRXhNRElnTVRjeUlERXdOQ0F4TnpKUk1URXdJREUzTVNBeU5UUWdNVEF6VkRVek5TQXRNekJVTmpjNElDMDVPRkUyT1RRZ0xURXdOaUEyT1RRZ0xURXhPRkUyT1RRZ0xURXpOaUEyTnpZZ0xURXpPRWcyTnpCTU16Z3lJQzB5VVRreUlERXpOU0E1TUNBeE16ZFJPRE1nTVRReUlEZ3pJREUxTkZFNE5DQXhOalFnT1RRZ01UY3dXaUl2UGp4d1lYUm9JR2xrUFNKTlNsZ3ROamd0VkVWWUxVa3RNVVEwTlVRaUlHUTlJazB5TXlBeU9EZFJNalFnTWprd0lESTFJREk1TlZRek1DQXpNVGRVTkRBZ016UTRWRFUxSURNNE1WUTNOU0EwTVRGVU1UQXhJRFF6TTFReE16UWdORFF5VVRJd09TQTBORElnTWpNd0lETTNPRXd5TkRBZ016ZzNVVE13TWlBME5ESWdNelU0SURRME1sRTBNak1nTkRReUlEUTJNQ0F6T1RWVU5EazNJREk0TVZFME9UY2dNVGN6SURReU1TQTRNbFF5TkRrZ0xURXdVVEl5TnlBdE1UQWdNakV3SUMwMFVURTVPU0F4SURFNE55QXhNVlF4TmpnZ01qaE1NVFl4SURNMlVURTJNQ0F6TlNBeE16a2dMVFV4VkRFeE9DQXRNVE00VVRFeE9DQXRNVFEwSURFeU5pQXRNVFExVkRFMk15QXRNVFE0U0RFNE9GRXhPVFFnTFRFMU5TQXhPVFFnTFRFMU4xUXhPVEVnTFRFM05WRXhPRGdnTFRFNE55QXhPRFVnTFRFNU1GUXhOeklnTFRFNU5GRXhOekFnTFRFNU5DQXhOakVnTFRFNU5GUXhNamNnTFRFNU0xUTJOU0F0TVRreVVTMDFJQzB4T1RJZ0xUSTBJQzB4T1RSSUxUTXlVUzB6T1NBdE1UZzNJQzB6T1NBdE1UZ3pVUzB6TnlBdE1UVTJJQzB5TmlBdE1UUTRTQzAyVVRJNElDMHhORGNnTXpNZ0xURXpObEV6TmlBdE1UTXdJRGswSURFd00xUXhOVFVnTXpVd1VURTFOaUF6TlRVZ01UVTJJRE0yTkZFeE5UWWdOREExSURFek1TQTBNRFZSTVRBNUlEUXdOU0E1TkNBek56ZFVOekVnTXpFMlZEVTVJREk0TUZFMU55QXlOemdnTkRNZ01qYzRTREk1VVRJeklESTROQ0F5TXlBeU9EZGFUVEUzT0NBeE1ESlJNakF3SURJMklESTFNaUF5TmxFeU9ESWdNallnTXpFd0lEUTVWRE0xTmlBeE1EZFJNemMwSURFME1TQXpPVElnTWpFMVZEUXhNU0F6TWpWV016TXhVVFF4TVNBME1EVWdNelV3SURRd05WRXpNemtnTkRBMUlETXlPQ0EwTURKVU16QTJJRE01TTFReU9EWWdNemd3VkRJMk9TQXpOalZVTWpVMElETTFNRlF5TkRNZ016TTJWREl6TlNBek1qWk1Nak15SURNeU1sRXlNeklnTXpJeElESXlPU0F6TURoVU1qRTRJREkyTkZReU1EUWdNakV5VVRFM09DQXhNRFlnTVRjNElERXdNbG9pTHo0OEwyUmxabk0rUEdjZ2MzUnliMnRsUFNKamRYSnlaVzUwUTI5c2IzSWlJR1pwYkd3OUltTjFjbkpsYm5SRGIyeHZjaUlnYzNSeWIydGxMWGRwWkhSb1BTSXdJaUIwY21GdWMyWnZjbTA5SW5OallXeGxLREVzTFRFcElqNDhaeUJrWVhSaExXMXRiQzF1YjJSbFBTSnRZWFJvSWo0OFp5QmtZWFJoTFcxdGJDMXViMlJsUFNKdFpuSmhZeUkrUEdjZ1pHRjBZUzF0Yld3dGJtOWtaVDBpYlc0aUlIUnlZVzV6Wm05eWJUMGlkSEpoYm5Oc1lYUmxLRFF5TWk0NExEWTNOaWtpUGp4MWMyVWdaR0YwWVMxalBTSXpNU0lnZUd4cGJtczZhSEpsWmowaUkwMUtXQzAyT0MxVVJWZ3RUaTB6TVNJdlBqd3ZaejQ4WnlCa1lYUmhMVzF0YkMxdWIyUmxQU0p0YzNWaWMzVndJaUIwY21GdWMyWnZjbTA5SW5SeVlXNXpiR0YwWlNneU1qQXNMVGM0TkM0MUtTSStQR2NnWkdGMFlTMXRiV3d0Ym05a1pUMGliV2tpUGp4MWMyVWdaR0YwWVMxalBTSXhSRFEyTUNJZ2VHeHBibXM2YUhKbFpqMGlJMDFLV0MwMk9DMVVSVmd0U1MweFJEUTJNQ0l2UGp3dlp6NDhaeUJrWVhSaExXMXRiQzF1YjJSbFBTSnRiaUlnZEhKaGJuTm1iM0p0UFNKMGNtRnVjMnhoZEdVb05UQXlMRE0xTXk0MktTQnpZMkZzWlNnd0xqY3dOeWtpUGp4MWMyVWdaR0YwWVMxalBTSXpNaUlnZUd4cGJtczZhSEpsWmowaUkwMUtXQzAyT0MxVVJWZ3RUaTB6TWlJdlBqd3ZaejQ4WnlCa1lYUmhMVzF0YkMxdWIyUmxQU0p0YVNJZ2RISmhibk5tYjNKdFBTSjBjbUZ1YzJ4aGRHVW9OVEF5TEMweU9UTXVPQ2tnYzJOaGJHVW9NQzQzTURjcElqNDhkWE5sSUdSaGRHRXRZejBpTVVRME5UY2lJSGhzYVc1ck9taHlaV1k5SWlOTlNsZ3ROamd0VkVWWUxVa3RNVVEwTlRjaUx6NDhMMmMrUEM5blBqeHlaV04wSUhkcFpIUm9QU0l4TVRBMUxqWWlJR2hsYVdkb2REMGlOakFpSUhnOUlqRXlNQ0lnZVQwaU1qSXdJaTgrUEM5blBqeG5JR1JoZEdFdGJXMXNMVzV2WkdVOUltMXZJaUIwY21GdWMyWnZjbTA5SW5SeVlXNXpiR0YwWlNneE5qSXpMak1zTUNraVBqeDFjMlVnWkdGMFlTMWpQU0l5TVRrd0lpQjRiR2x1YXpwb2NtVm1QU0lqVFVwWUxUWTRMVlJGV0MxT0xUSXhPVEFpTHo0OEwyYytQR2NnWkdGMFlTMXRiV3d0Ym05a1pUMGliVzRpSUhSeVlXNXpabTl5YlQwaWRISmhibk5zWVhSbEtESTVNREV1TVN3d0tTSStQSFZ6WlNCa1lYUmhMV005SWpNeElpQjRiR2x1YXpwb2NtVm1QU0lqVFVwWUxUWTRMVlJGV0MxT0xUTXhJaTgrUEM5blBqeG5JR1JoZEdFdGJXMXNMVzV2WkdVOUltMXZJaUIwY21GdWMyWnZjbTA5SW5SeVlXNXpiR0YwWlNnek5EQXhMakVzTUNraVBqeDFjMlVnWkdGMFlTMWpQU0l5UXlJZ2VHeHBibXM2YUhKbFpqMGlJMDFLV0MwMk9DMVVSVmd0VGkweVF5SXZQand2Wno0OFp5QmtZWFJoTFcxdGJDMXViMlJsUFNKdGMzUjViR1VpSUhSeVlXNXpabTl5YlQwaWRISmhibk5zWVhSbEtETTJOemt1TVN3d0tTSStQR2NnWkdGMFlTMXRiV3d0Ym05a1pUMGliWE53WVdObElpOCtQQzluUGp4bklHUmhkR0V0Ylcxc0xXNXZaR1U5SW0xemRIbHNaU0lnZEhKaGJuTm1iM0p0UFNKMGNtRnVjMnhoZEdVb016ZzBOaTR4TERBcElqNDhaeUJrWVhSaExXMXRiQzF1YjJSbFBTSnRjM0JoWTJVaUx6NDhMMmMrUEdjZ1pHRjBZUzF0Yld3dGJtOWtaVDBpYlhOMGVXeGxJaUIwY21GdWMyWnZjbTA5SW5SeVlXNXpiR0YwWlNnME1ERXpMakVzTUNraVBqeG5JR1JoZEdFdGJXMXNMVzV2WkdVOUltMXpjR0ZqWlNJdlBqd3ZaejQ4WnlCa1lYUmhMVzF0YkMxdWIyUmxQU0p0YmlJZ2RISmhibk5tYjNKdFBTSjBjbUZ1YzJ4aGRHVW9ORE0wTmk0NExEQXBJajQ4ZFhObElHUmhkR0V0WXowaU16RWlJSGhzYVc1ck9taHlaV1k5SWlOTlNsZ3ROamd0VkVWWUxVNHRNekVpTHo0OEwyYytQR2NnWkdGMFlTMXRiV3d0Ym05a1pUMGliVzhpSUhSeVlXNXpabTl5YlQwaWRISmhibk5zWVhSbEtEVXhNalF1Tml3d0tTSStQSFZ6WlNCa1lYUmhMV005SWpKQk4wUWlJSGhzYVc1ck9taHlaV1k5SWlOTlNsZ3ROamd0VkVWWUxVNHRNa0UzUkNJdlBqd3ZaejQ4WnlCa1lYUmhMVzF0YkMxdWIyUmxQU0p0YVNJZ2RISmhibk5tYjNKdFBTSjBjbUZ1YzJ4aGRHVW9OakU0TUM0ekxEQXBJajQ4ZFhObElHUmhkR0V0WXowaU1VUTBOVGNpSUhoc2FXNXJPbWh5WldZOUlpTk5TbGd0TmpndFZFVllMVWt0TVVRME5UY2lMejQ4TDJjK1BHY2daR0YwWVMxdGJXd3RibTlrWlQwaWJXOGlJSFJ5WVc1elptOXliVDBpZEhKaGJuTnNZWFJsS0RZNE56QXVNU3d3S1NJK1BIVnpaU0JrWVhSaExXTTlJakpCTjBRaUlIaHNhVzVyT21oeVpXWTlJaU5OU2xndE5qZ3RWRVZZTFU0dE1rRTNSQ0l2UGp3dlp6NDhaeUJrWVhSaExXMXRiQzF1YjJSbFBTSnRhU0lnZEhKaGJuTm1iM0p0UFNKMGNtRnVjMnhoZEdVb056a3lOUzQ1TERBcElqNDhkWE5sSUdSaGRHRXRZejBpTVVRME5VUWlJSGhzYVc1ck9taHlaV1k5SWlOTlNsZ3ROamd0VkVWWUxVa3RNVVEwTlVRaUx6NDhMMmMrUEM5blBqd3ZaejQ4TDNOMlp6ND0iLAoJIlJlYWxWaWV3U2l6ZUpzb24iIDogIntcImhlaWdodFwiOjkxMC43MTQyNjM5MTYwMTU2LFwid2lkdGhcIjoyOTY0LjI4NTU4MzQ5NjA5Mzh9Igp9Cg=="/>
-    </extobj>
-    <extobj name="2384804F-3998-4D57-9195-F3826E402611-2">
-      <extobjdata type="2384804F-3998-4D57-9195-F3826E402611" data="ewoJIkltZ1NldHRpbmdKc29uIiA6ICJ7XCJoZWlnaHRcIjoxNy44NTcxNDI4NTcxNDI4NTQsXCJ3aWR0aFwiOjE5NS41MzU3MTQyODU3MTQyOH0iLAoJIkxhdGV4IiA6ICJcXG1hdGhjYWx7RH09XFx7XFx0ZXh0YmZ7eF8xfSxcXHRleHRiZnt4XzJ9LC4uLixcXHRleHRiZnt4X259XFx9IiwKCSJMYXRleEltZ0Jhc2U2NCIgOiAiUEhOMlp5QjRiV3h1Y3owaWFIUjBjRG92TDNkM2R5NTNNeTV2Y21jdk1qQXdNQzl6ZG1jaUlIZHBaSFJvUFNJeU5TNHhNMlY0SWlCb1pXbG5hSFE5SWpJdU1qWXlaWGdpSUhKdmJHVTlJbWx0WnlJZ1ptOWpkWE5oWW14bFBTSm1ZV3h6WlNJZ2RtbGxkMEp2ZUQwaU1DQXROelV3SURFeE1UQTNMallnTVRBd01DSWdlRzFzYm5NNmVHeHBibXM5SW1oMGRIQTZMeTkzZDNjdWR6TXViM0puTHpFNU9Ua3ZlR3hwYm1zaUlHRnlhV0V0YUdsa1pHVnVQU0owY25WbElpQnpkSGxzWlQwaWRtVnlkR2xqWVd3dFlXeHBaMjQ2SUMwd0xqVTJObVY0T3lCdFlYZ3RkMmxrZEdnNklEazRKVHNpUGp4a1pXWnpQanh3WVhSb0lHbGtQU0pOU2xndE9TMVVSVmd0UXkwME5DSWdaRDBpVFRNM0lEUTNOVkV4T1NBME56VWdNVGtnTkRnM1VURTVJRFV6TmlBeE1ETWdOakEwVkRNeU55QTJPREpJTXpVMlVUTTROaUEyT0RNZ05EQTRJRFk0TTBnME1UbFJORGMxSURZNE15QTFNRFlnTmpneFZEVTRNaUEyTmpoVU5qWTNJRFl6TTFFM05qWWdOVGN4SURjMk5pQTBOVEJSTnpZMklETTJOU0EzTWpNZ01qZzNWRFl4TVNBeE5USlVORFUxSURVM1ZESTNPU0EyVVRJME9DQXhJREUyTUNBd1VURTBPQ0F3SURFek1TQXdWREV3T0NBdE1WRTNNaUF0TVNBM01pQXhNVkUzTWlBeU5DQTVNQ0EwTUZReE16TWdOalJNTVRRMElEWTRUREUxTWlBNE9GRXlORGNnTXpJNElESTNNaUExT0RkUk1qYzFJRFl4TXlBeU56SWdOakV6VVRJM01pQTJNVE1nTWpZNUlEWXhNMUV5TWpVZ05qRXdJREU1TlNBMk1ESlVNVFE1SURVM09WUXhNamtnTlRVMlZERXhPU0ExTXpKUk1URTRJRFV6TUNBeE1UWWdOVEkxVkRFeE15QTFNVGhSTVRBeUlEVXdNaUE0TUNBME9UQlVNemNnTkRjMVdrMDJOalVnTkRBM1VUWTJOU0ExT1RZZ05ERXlJRFl4TTFFME1ETWdOakUwSURNNE15QTJNVFJSTXpjd0lEWXhOQ0F6TnpBZ05qRXlVVE0zTUNBMU9UZ2dNell6SURVME1sUXpNak1nTXpVM1ZESTBNaUF4TUROTU1qSTRJRFk1U0RJMk5WRXpPVEVnTnpNZ05EZ3hJREV4T1ZFMU16WWdNVFE0SURVM05TQXhPRGhVTmpNeklESTJPRlEyTlRnZ016TTRWRFkyTlNBek9USldOREEzV2lJdlBqeHdZWFJvSUdsa1BTSk5TbGd0T1MxVVJWZ3RUaTB6UkNJZ1pEMGlUVFUySURNME4xRTFOaUF6TmpBZ056QWdNelkzU0Rjd04xRTNNaklnTXpVNUlEY3lNaUF6TkRkUk56SXlJRE16TmlBM01EZ2dNekk0VERNNU1DQXpNamRJTnpKUk5UWWdNek15SURVMklETTBOMXBOTlRZZ01UVXpVVFUySURFMk9DQTNNaUF4TnpOSU56QTRVVGN5TWlBeE5qTWdOekl5SURFMU0xRTNNaklnTVRRd0lEY3dOeUF4TXpOSU56QlJOVFlnTVRRd0lEVTJJREUxTTFvaUx6NDhjR0YwYUNCcFpEMGlUVXBZTFRrdFZFVllMVTR0TjBJaUlHUTlJazAwTXpRZ0xUSXpNVkUwTXpRZ0xUSTBOQ0EwTWpnZ0xUSTFNRWcwTVRCUk1qZ3hJQzB5TlRBZ01qTXdJQzB4T0RSUk1qSTFJQzB4TnpjZ01qSXlJQzB4TnpKVU1qRTNJQzB4TmpGVU1qRXpJQzB4TkRoVU1qRXhJQzB4TXpOVU1qRXdJQzB4TVRGVU1qQTVJQzA0TkZReU1Ea2dMVFEzVkRJd09TQXdVVEl3T1NBeU1TQXlNRGtnTlROUk1qQTRJREUwTWlBeU1EUWdNVFV6VVRJd015QXhOVFFnTWpBeklERTFOVkV4T0RrZ01Ua3hJREUxTXlBeU1URlVPRElnTWpNeFVUY3hJREl6TVNBMk9DQXlNelJVTmpVZ01qVXdWRFk0SURJMk5sUTRNaUF5TmpsUk1URTJJREkyT1NBeE5USWdNamc1VkRJd015QXpORFZSTWpBNElETTFOaUF5TURnZ016YzNWREl3T1NBMU1qbFdOVGM1VVRJd09TQTJNelFnTWpFMUlEWTFObFF5TkRRZ05qazRVVEkzTUNBM01qUWdNekkwSURjME1GRXpOakVnTnpRNElETTNOeUEzTkRsUk16YzVJRGMwT1NBek9UQWdOelE1VkRRd09DQTNOVEJJTkRJNFVUUXpOQ0EzTkRRZ05ETTBJRGN6TWxFME16UWdOekU1SURRek1TQTNNVFpSTkRJNUlEY3hNeUEwTVRVZ056RXpVVE0yTWlBM01UQWdNek15SURZNE9WUXlPVFlnTmpRM1VUSTVNU0EyTXpRZ01qa3hJRFE1T1ZZME1UZFJNamt4SURNM01DQXlPRGdnTXpVelZESTNNU0F6TVRSUk1qUXdJREkzTVNBeE9EUWdNalUxVERFM01DQXlOVEJNTVRnMElESTBOVkV5TURJZ01qTTVJREl5TUNBeU16QlVNall5SURFNU5sUXlPVEFnTVRNM1VUSTVNU0F4TXpFZ01qa3hJREZSTWpreElDMHhNelFnTWprMklDMHhORGRSTXpBMklDMHhOelFnTXpNNUlDMHhPVEpVTkRFMUlDMHlNVE5STkRJNUlDMHlNVE1nTkRNeElDMHlNVFpSTkRNMElDMHlNVGtnTkRNMElDMHlNekZhSWk4K1BIQmhkR2dnYVdROUlrMUtXQzA1TFZSRldDMUNMVEZFTkRNeElpQmtQU0pOTWpJM0lEQlJNakV5SURNZ01USXhJRE5STkRBZ015QXlPQ0F3U0RJeFZqWXlTREV4TjB3eU5EVWdNakV6VERFd09TQXpPREpJTWpaV05EUTBTRE0wVVRRNUlEUTBNU0F4TkRNZ05EUXhVVEkwTnlBME5ERWdNalkxSURRME5FZ3lOelJXTXpneVNESTBOa3d5T0RFZ016TTVVVE14TlNBeU9UY2dNekUySURJNU4xRXpNakFnTWprM0lETTFOQ0F6TkRGTU16ZzVJRE00TWtnek5USldORFEwU0RNMk1GRXpOelVnTkRReElEUTJOaUEwTkRGUk5UUTNJRFEwTVNBMU5Ua2dORFEwU0RVMk5sWXpPREpJTkRjeFRETTFOU0F5TkRaTU5UQTBJRFl6VERVME5TQTJNa2cxT0RaV01FZzFOemhSTlRZeklETWdORFk1SUROUk16WTFJRE1nTXpRM0lEQklNek00VmpZeVNETTJObEV6TmpZZ05qTWdNekkySURFeE1sUXlPRFVnTVRZelRERTVPQ0EyTTB3eU1UY2dOakpJTWpNMVZqQklNakkzV2lJdlBqeHdZWFJvSUdsa1BTSk5TbGd0T1MxVVJWZ3RRaTAxUmlJZ1pEMGlUVEFnTFRZeFZpMHhNRWcxTnpSV0xUWXhTREJhSWk4K1BIQmhkR2dnYVdROUlrMUtXQzA1TFZSRldDMUNMVEZFTjBOR0lpQmtQU0pOTkRneElEQk1NamswSUROUk1UTTJJRE1nTVRBNUlEQklPVFpXTmpKSU1qSTNWak13TkZFeU1qY2dOVFEySURJeU5TQTFORFpSTVRZNUlEVXlPU0E1TnlBMU1qbElPREJXTlRreFNEazNVVEl6TVNBMU9URWdNekE0SURZME4wd3pNVGtnTmpVMVNETXpNMUV6TlRVZ05qVTFJRE0xT1NBMk5EUlJNell4SURZME1DQXpOakVnTXpVeFZqWXlTRFE1TkZZd1NEUTRNVm9pTHo0OGNHRjBhQ0JwWkQwaVRVcFlMVGt0VkVWWUxVNHRNa01pSUdROUlrMDNPQ0F6TlZRM09DQTJNRlE1TkNBeE1ETlVNVE0zSURFeU1WRXhOalVnTVRJeElERTROeUE1TmxReU1UQWdPRkV5TVRBZ0xUSTNJREl3TVNBdE5qQlVNVGd3SUMweE1UZFVNVFUwSUMweE5UaFVNVE13SUMweE9EVlVNVEUzSUMweE9UUlJNVEV6SUMweE9UUWdNVEEwSUMweE9EVlVPVFVnTFRFM01sRTVOU0F0TVRZNElERXdOaUF0TVRVMlZERXpNU0F0TVRJMlZERTFOeUF0TnpaVU1UY3pJQzB6VmpsTU1UY3lJRGhSTVRjd0lEY2dNVFkzSURaVU1UWXhJRE5VTVRVeUlERlVNVFF3SURCUk1URXpJREFnT1RZZ01UZGFJaTgrUEhCaGRHZ2dhV1E5SWsxS1dDMDVMVlJGV0MxQ0xURkVOMFF3SWlCa1BTSk5NVGMxSURVNE1GRXhOelVnTlRjNElERTROU0ExTnpKVU1qQTFJRFUxTVZReU1UVWdOVEV3VVRJeE5TQTBOamNnTVRreElEUTBPVlF4TXpjZ05ETXdVVEV3TnlBME16QWdPRE1nTkRRNFZEVTRJRFV4TVZFMU9DQTFOVGdnT1RFZ05Ua3lWREUyT0NBMk5EQlVNalU1SURZMU5GRXpNamdnTmpVMElETTRNeUEyTXpkUk5EVXhJRFl4TUNBME9EUWdOVFl6VkRVeE55QTBOVGxSTlRFM0lEUXdNU0EwT0RJZ016WXdWRE0yT0NBeU5qSlJNelF3SURJME15QXlOalVnTVRnMFRESXhNQ0F4TkRCSU1qYzBVVFF4TmlBeE5EQWdOREk1SURFME5WRTBNemtnTVRRNElEUTBOeUF4T0RaVU5EVTFJREl6TjBnMU1UZFdNak16VVRVeE5pQXlNekFnTlRBeElERXhPVkUwT0RrZ09TQTBPRFlnTkZZd1NEVTNWakkxVVRVM0lEVXhJRFU0SURVMFVUWXdJRFUzSURFd09TQXhNRFpVTWpFMUlESXhORlF5T0RnZ01qa3hVVE0yTkNBek56Y2dNelkwSURRMU9GRXpOalFnTlRFMUlETXlPQ0ExTlROVU1qTXhJRFU1TWxFeU1UUWdOVGt5SURJd01TQTFPRGxVTVRneElEVTRORlF4TnpVZ05UZ3dXaUl2UGp4d1lYUm9JR2xrUFNKTlNsZ3RPUzFVUlZndFRpMHlSU0lnWkQwaVRUYzRJRFl3VVRjNElEZzBJRGsxSURFd01sUXhNemdnTVRJd1VURTJNaUF4TWpBZ01UZ3dJREV3TkZReE9Ua2dOakZSTVRrNUlETTJJREU0TWlBeE9GUXhNemtnTUZRNU5pQXhOMVEzT0NBMk1Gb2lMejQ4Y0dGMGFDQnBaRDBpVFVwWUxUa3RWRVZZTFVJdE1VUTBNamNpSUdROUlrMDBNQ0EwTkRKUk1qRTNJRFExTUNBeU1UZ2dORFV3U0RJeU5GWTBNRGRNTWpJMUlETTJOVkV5TXpNZ016YzRJREkwTlNBek9URlVNamc1SURReU1sUXpOaklnTkRRNFVUTTNOQ0EwTlRBZ016azRJRFExTUZFME1qZ2dORFV3SURRME9DQTBORGRVTkRreElEUXpORlExTWprZ05EQXlWRFUxTVNBek5EWlJOVFV6SURNek5TQTFOVFFnTVRrNFZqWXlTRFl5TTFZd1NEWXhORkUxT1RZZ015QTBPRGtnTTFFek56UWdNeUF6TmpVZ01FZ3pOVFpXTmpKSU5ESTFWakU1TkZZeU56VlJOREkxSURNME9DQTBNVFlnTXpjelZETTNNU0F6T1RsUk16STJJRE01T1NBeU9EZ2dNemN3VkRJek9DQXlPVEJSTWpNMklESTRNU0F5TXpVZ01UY3hWall5U0RNd05GWXdTREk1TlZFeU56Y2dNeUF4TnpFZ00xRTJOQ0F6SURRMklEQklNemRXTmpKSU1UQTJWakl4TUZZek1ETlJNVEEySURNMU15QXhNRFFnTXpZelZEa3hJRE0zTmxFM055QXpPREFnTlRBZ016Z3dTRE0zVmpRME1rZzBNRm9pTHo0OGNHRjBhQ0JwWkQwaVRVcFlMVGt0VkVWWUxVNHROMFFpSUdROUlrMDJOU0EzTXpGUk5qVWdOelExSURZNElEYzBOMVE0T0NBM05UQlJNVGN4SURjMU1DQXlNVFlnTnpJMVZESTNPU0EyTnpCUk1qZzRJRFkwT1NBeU9Ea2dOak0xVkRJNU1TQTFNREZSTWpreUlETTJNaUF5T1RNZ016VTNVVE13TmlBek1USWdNelExSURJNU1WUTBNVGNnTWpZNVVUUXlPQ0F5TmprZ05ETXhJREkyTmxRME16UWdNalV3VkRRek1TQXlNelJVTkRFM0lESXpNVkV6T0RBZ01qTXhJRE0wTlNBeU1UQlVNams0SURFMU4xRXlPVE1nTVRReklESTVNaUF4TWpGVU1qa3hJQzB5T0ZZdE56bFJNamt4SUMweE16UWdNamcxSUMweE5UWlVNalUySUMweE9UaFJNakF5SUMweU5UQWdPRGtnTFRJMU1GRTNNU0F0TWpVd0lEWTRJQzB5TkRkVU5qVWdMVEl6TUZFMk5TQXRNakkwSURZMUlDMHlNak5VTmpZZ0xUSXhPRlEyT1NBdE1qRTBWRGMzSUMweU1UTlJPVEVnTFRJeE15QXhNRGdnTFRJeE1GUXhORFlnTFRJd01GUXhPRE1nTFRFM04xUXlNRGNnTFRFek9WRXlNRGdnTFRFek5DQXlNRGtnTTB3eU1UQWdNVE01VVRJeU15QXhPVFlnTWpnd0lESXpNRkV6TVRVZ01qUTNJRE16TUNBeU5UQlJNekExSURJMU55QXlPREFnTWpjd1VUSXlOU0F6TURRZ01qRXlJRE0xTWt3eU1UQWdNell5VERJd09TQTBPVGhSTWpBNElEWXpOU0F5TURjZ05qUXdVVEU1TlNBMk9EQWdNVFUwSURZNU5sUTNOeUEzTVROUk5qZ2dOekV6SURZM0lEY3hObFEyTlNBM016RmFJaTgrUEM5a1pXWnpQanhuSUhOMGNtOXJaVDBpWTNWeWNtVnVkRU52Ykc5eUlpQm1hV3hzUFNKamRYSnlaVzUwUTI5c2IzSWlJSE4wY205clpTMTNhV1IwYUQwaU1DSWdkSEpoYm5ObWIzSnRQU0p6WTJGc1pTZ3hMQzB4S1NJK1BHY2daR0YwWVMxdGJXd3RibTlrWlQwaWJXRjBhQ0krUEdjZ1pHRjBZUzF0Yld3dGJtOWtaVDBpVkdWWVFYUnZiU0lnWkdGMFlTMXRhbmd0ZEdWNFkyeGhjM005SWs5U1JDSStQR2NnWkdGMFlTMXRiV3d0Ym05a1pUMGliV2tpUGp4MWMyVWdaR0YwWVMxalBTSTBOQ0lnZUd4cGJtczZhSEpsWmowaUkwMUtXQzA1TFZSRldDMURMVFEwSWk4K1BDOW5Qand2Wno0OFp5QmtZWFJoTFcxdGJDMXViMlJsUFNKdGJ5SWdkSEpoYm5ObWIzSnRQU0owY21GdWMyeGhkR1VvTVRBME9DNDRMREFwSWo0OGRYTmxJR1JoZEdFdFl6MGlNMFFpSUhoc2FXNXJPbWh5WldZOUlpTk5TbGd0T1MxVVJWZ3RUaTB6UkNJdlBqd3ZaejQ4WnlCa1lYUmhMVzF0YkMxdWIyUmxQU0p0YnlJZ2RISmhibk5tYjNKdFBTSjBjbUZ1YzJ4aGRHVW9NakV3TkM0MkxEQXBJajQ4ZFhObElHUmhkR0V0WXowaU4wSWlJSGhzYVc1ck9taHlaV1k5SWlOTlNsZ3RPUzFVUlZndFRpMDNRaUl2UGp3dlp6NDhaeUJrWVhSaExXMXRiQzF1YjJSbFBTSnRkR1Y0ZENJZ2RISmhibk5tYjNKdFBTSjBjbUZ1YzJ4aGRHVW9Nall3TkM0MkxEQXBJajQ4ZFhObElHUmhkR0V0WXowaU1VUTBNekVpSUhoc2FXNXJPbWh5WldZOUlpTk5TbGd0T1MxVVJWZ3RRaTB4UkRRek1TSXZQangxYzJVZ1pHRjBZUzFqUFNJMVJpSWdlR3hwYm1zNmFISmxaajBpSTAxS1dDMDVMVlJGV0MxQ0xUVkdJaUIwY21GdWMyWnZjbTA5SW5SeVlXNXpiR0YwWlNnMk1EY3NNQ2tpTHo0OGRYTmxJR1JoZEdFdFl6MGlNVVEzUTBZaUlIaHNhVzVyT21oeVpXWTlJaU5OU2xndE9TMVVSVmd0UWkweFJEZERSaUlnZEhKaGJuTm1iM0p0UFNKMGNtRnVjMnhoZEdVb01URTRNaXd3S1NJdlBqd3ZaejQ4WnlCa1lYUmhMVzF0YkMxdWIyUmxQU0p0YnlJZ2RISmhibk5tYjNKdFBTSjBjbUZ1YzJ4aGRHVW9ORE0yTVM0MkxEQXBJajQ4ZFhObElHUmhkR0V0WXowaU1rTWlJSGhzYVc1ck9taHlaV1k5SWlOTlNsZ3RPUzFVUlZndFRpMHlReUl2UGp3dlp6NDhaeUJrWVhSaExXMXRiQzF1YjJSbFBTSnRkR1Y0ZENJZ2RISmhibk5tYjNKdFBTSjBjbUZ1YzJ4aGRHVW9ORGd3Tmk0eUxEQXBJajQ4ZFhObElHUmhkR0V0WXowaU1VUTBNekVpSUhoc2FXNXJPbWh5WldZOUlpTk5TbGd0T1MxVVJWZ3RRaTB4UkRRek1TSXZQangxYzJVZ1pHRjBZUzFqUFNJMVJpSWdlR3hwYm1zNmFISmxaajBpSTAxS1dDMDVMVlJGV0MxQ0xUVkdJaUIwY21GdWMyWnZjbTA5SW5SeVlXNXpiR0YwWlNnMk1EY3NNQ2tpTHo0OGRYTmxJR1JoZEdFdFl6MGlNVVEzUkRBaUlIaHNhVzVyT21oeVpXWTlJaU5OU2xndE9TMVVSVmd0UWkweFJEZEVNQ0lnZEhKaGJuTm1iM0p0UFNKMGNtRnVjMnhoZEdVb01URTRNaXd3S1NJdlBqd3ZaejQ4WnlCa1lYUmhMVzF0YkMxdWIyUmxQU0p0YnlJZ2RISmhibk5tYjNKdFBTSjBjbUZ1YzJ4aGRHVW9OalUyTXk0eUxEQXBJajQ4ZFhObElHUmhkR0V0WXowaU1rTWlJSGhzYVc1ck9taHlaV1k5SWlOTlNsZ3RPUzFVUlZndFRpMHlReUl2UGp3dlp6NDhaeUJrWVhSaExXMXRiQzF1YjJSbFBTSnRieUlnZEhKaGJuTm1iM0p0UFNKMGNtRnVjMnhoZEdVb056QXdOeTQ1TERBcElqNDhkWE5sSUdSaGRHRXRZejBpTWtVaUlIaHNhVzVyT21oeVpXWTlJaU5OU2xndE9TMVVSVmd0VGkweVJTSXZQand2Wno0OFp5QmtZWFJoTFcxdGJDMXViMlJsUFNKdGJ5SWdkSEpoYm5ObWIzSnRQU0owY21GdWMyeGhkR1VvTnpRMU1pNDJMREFwSWo0OGRYTmxJR1JoZEdFdFl6MGlNa1VpSUhoc2FXNXJPbWh5WldZOUlpTk5TbGd0T1MxVVJWZ3RUaTB5UlNJdlBqd3ZaejQ4WnlCa1lYUmhMVzF0YkMxdWIyUmxQU0p0YnlJZ2RISmhibk5tYjNKdFBTSjBjbUZ1YzJ4aGRHVW9Oemc1Tnk0eUxEQXBJajQ4ZFhObElHUmhkR0V0WXowaU1rVWlJSGhzYVc1ck9taHlaV1k5SWlOTlNsZ3RPUzFVUlZndFRpMHlSU0l2UGp3dlp6NDhaeUJrWVhSaExXMXRiQzF1YjJSbFBTSnRieUlnZEhKaGJuTm1iM0p0UFNKMGNtRnVjMnhoZEdVb09ETTBNUzQ1TERBcElqNDhkWE5sSUdSaGRHRXRZejBpTWtNaUlIaHNhVzVyT21oeVpXWTlJaU5OU2xndE9TMVVSVmd0VGkweVF5SXZQand2Wno0OFp5QmtZWFJoTFcxdGJDMXViMlJsUFNKdGRHVjRkQ0lnZEhKaGJuTm1iM0p0UFNKMGNtRnVjMnhoZEdVb09EYzROaTQyTERBcElqNDhkWE5sSUdSaGRHRXRZejBpTVVRME16RWlJSGhzYVc1ck9taHlaV1k5SWlOTlNsZ3RPUzFVUlZndFFpMHhSRFF6TVNJdlBqeDFjMlVnWkdGMFlTMWpQU0kxUmlJZ2VHeHBibXM2YUhKbFpqMGlJMDFLV0MwNUxWUkZXQzFDTFRWR0lpQjBjbUZ1YzJadmNtMDlJblJ5WVc1emJHRjBaU2cyTURjc01Da2lMejQ4ZFhObElHUmhkR0V0WXowaU1VUTBNamNpSUhoc2FXNXJPbWh5WldZOUlpTk5TbGd0T1MxVVJWZ3RRaTB4UkRReU55SWdkSEpoYm5ObWIzSnRQU0owY21GdWMyeGhkR1VvTVRFNE1pd3dLU0l2UGp3dlp6NDhaeUJrWVhSaExXMXRiQzF1YjJSbFBTSnRieUlnZEhKaGJuTm1iM0p0UFNKMGNtRnVjMnhoZEdVb01UQTJNRGN1Tml3d0tTSStQSFZ6WlNCa1lYUmhMV005SWpkRUlpQjRiR2x1YXpwb2NtVm1QU0lqVFVwWUxUa3RWRVZZTFU0dE4wUWlMejQ4TDJjK1BDOW5Qand2Wno0OEwzTjJaejQ9IiwKCSJSZWFsVmlld1NpemVKc29uIiA6ICJ7XCJoZWlnaHRcIjozNTcuMTQyODY4MDQxOTkyMixcIndpZHRoXCI6MzkxMC43MTQ0MTY1MDM5MDYyfSIKfQo="/>
-    </extobj>
-    <extobj name="2384804F-3998-4D57-9195-F3826E402611-3">
-      <extobjdata type="2384804F-3998-4D57-9195-F3826E402611" data="ewoJIkltZ1NldHRpbmdKc29uIiA6ICJ7XCJoZWlnaHRcIjoxNy44NTcxNDI4NTcxNDI4NTQsXCJ3aWR0aFwiOjEzMi4xNDI4NTcxNDI4NTcxNH0iLAoJIkxhdGV4IiA6ICJnX2kgXFxpbiBcXG1hdGhjYWx7RH0oMVxcbGVxc2xhbnQgaSBcXGxlcXNsYW50IGMpIiwKCSJMYXRleEltZ0Jhc2U2NCIgOiAiUEhOMlp5QjRiV3h1Y3owaWFIUjBjRG92TDNkM2R5NTNNeTV2Y21jdk1qQXdNQzl6ZG1jaUlIZHBaSFJvUFNJeE55NHdNVFZsZUNJZ2FHVnBaMmgwUFNJeUxqSTJNbVY0SWlCeWIyeGxQU0pwYldjaUlHWnZZM1Z6WVdKc1pUMGlabUZzYzJVaUlIWnBaWGRDYjNnOUlqQWdMVGMxTUNBM05USXdMallnTVRBd01DSWdlRzFzYm5NNmVHeHBibXM5SW1oMGRIQTZMeTkzZDNjdWR6TXViM0puTHpFNU9Ua3ZlR3hwYm1zaUlHRnlhV0V0YUdsa1pHVnVQU0owY25WbElpQnpkSGxzWlQwaWRtVnlkR2xqWVd3dFlXeHBaMjQ2SUMwd0xqVTJObVY0T3lCdFlYZ3RkMmxrZEdnNklEazRKVHNpUGp4a1pXWnpQanh3WVhSb0lHbGtQU0pOU2xndE5EUXRWRVZZTFVrdE1VUTBOVFFpSUdROUlrMHpNVEVnTkROUk1qazJJRE13SURJMk55QXhOVlF5TURZZ01GRXhORE1nTUNBeE1EVWdORFZVTmpZZ01UWXdVVFkySURJMk5TQXhORE1nTXpVelZETXhOQ0EwTkRKUk16WXhJRFEwTWlBME1ERWdNemswVERRd05DQXpPVGhSTkRBMklEUXdNU0EwTURrZ05EQTBWRFF4T0NBME1USlVORE14SURReE9WUTBORGNnTkRJeVVUUTJNU0EwTWpJZ05EY3dJRFF4TTFRME9EQWdNemswVVRRNE1DQXpOemtnTkRJeklERTFNbFF6TmpNZ0xUZ3dVVE0wTlNBdE1UTTBJREk0TmlBdE1UWTVWREUxTVNBdE1qQTFVVEV3SUMweU1EVWdNVEFnTFRFek4xRXhNQ0F0TVRFeElESTRJQzA1TVZRM05DQXROekZST0RrZ0xUY3hJREV3TWlBdE9EQlVNVEUySUMweE1URlJNVEUySUMweE1qRWdNVEUwSUMweE16QlVNVEEzSUMweE5EUlVPVGtnTFRFMU5GUTVNaUF0TVRZeVREa3dJQzB4TmpSSU9URlJNVEF4SUMweE5qY2dNVFV4SUMweE5qZFJNVGc1SUMweE5qY2dNakV4SUMweE5UVlJNak0wSUMweE5EUWdNalUwSUMweE1qSlVNamd5SUMwM05WRXlPRGdnTFRVMklESTVPQ0F0TVROUk16RXhJRE0xSURNeE1TQTBNMXBOTXpnMElETXlPRXd6T0RBZ016TTVVVE0zTnlBek5UQWdNemMxSURNMU5GUXpOamtnTXpZNFZETTFPU0F6T0RKVU16UTJJRE01TTFRek1qZ2dOREF5VkRNd05pQTBNRFZSTWpZeUlEUXdOU0F5TWpFZ016VXlVVEU1TVNBek1UTWdNVGN4SURJek0xUXhOVEVnTVRFM1VURTFNU0F6T0NBeU1UTWdNemhSTWpZNUlETTRJRE15TXlBeE1EaE1Nek14SURFeE9Fd3pPRFFnTXpJNFdpSXZQanh3WVhSb0lHbGtQU0pOU2xndE5EUXRWRVZZTFVrdE1VUTBOVFlpSUdROUlrMHhPRFFnTmpBd1VURTROQ0EyTWpRZ01qQXpJRFkwTWxReU5EY2dOall4VVRJMk5TQTJOakVnTWpjM0lEWTBPVlF5T1RBZ05qRTVVVEk1TUNBMU9UWWdNamN3SURVM04xUXlNallnTlRVM1VUSXhNU0ExTlRjZ01UazRJRFUyTjFReE9EUWdOakF3V2sweU1TQXlPRGRSTWpFZ01qazFJRE13SURNeE9GUTFOQ0F6TmpsVU9UZ2dOREl3VkRFMU9DQTBOREpSTVRrM0lEUTBNaUF5TWpNZ05ERTVWREkxTUNBek5UZFJNalV3SURNME1DQXlNellnTXpBeFZERTVOaUF4T1RaVU1UVTBJRGd6VVRFME9TQTJNU0F4TkRrZ05URlJNVFE1SURJMklERTJOaUF5TmxFeE56VWdNallnTVRnMUlESTVWREl3T0NBME0xUXlNelVnTnpoVU1qWXdJREV6TjFFeU5qTWdNVFE1SURJMk5TQXhOVEZVTWpneUlERTFNMUV6TURJZ01UVXpJRE13TWlBeE5ETlJNekF5SURFek5TQXlPVE1nTVRFeVZESTJPQ0EyTVZReU1qTWdNVEZVTVRZeElDMHhNVkV4TWprZ0xURXhJREV3TWlBeE1GUTNOQ0EzTkZFM05DQTVNU0EzT1NBeE1EWlVNVEl5SURJeU1GRXhOakFnTXpJeElERTJOaUF6TkRGVU1UY3pJRE00TUZFeE56TWdOREEwSURFMU5pQTBNRFJJTVRVMFVURXlOQ0EwTURRZ09Ua2dNemN4VkRZeElESTROMUUyTUNBeU9EWWdOVGtnTWpnMFZEVTRJREk0TVZRMU5pQXlOemxVTlRNZ01qYzRWRFE1SURJM09GUTBNU0F5TnpoSU1qZFJNakVnTWpnMElESXhJREk0TjFvaUx6NDhjR0YwYUNCcFpEMGlUVXBZTFRRMExWUkZXQzFPTFRJeU1EZ2lJR1E5SWswNE5DQXlOVEJST0RRZ016Y3lJREUyTmlBME5UQlVNell3SURVek9WRXpOakVnTlRNNUlETTNOeUExTXpsVU5ERTVJRFUwTUZRME5qa2dOVFF3U0RVMk9GRTFPRE1nTlRNeUlEVTRNeUExTWpCUk5UZ3pJRFV4TVNBMU56QWdOVEF4VERRMk5pQTFNREJSTXpVMUlEUTVPU0F6TWprZ05EazBVVEk0TUNBME9ESWdNalF5SURRMU9GUXhPRE1nTkRBNVZERTBOeUF6TlRSVU1USTVJRE13TmxReE1qUWdNamN5VmpJM01FZzFOamhSTlRneklESTJNaUExT0RNZ01qVXdWRFUyT0NBeU16QklNVEkwVmpJeU9GRXhNalFnTWpBM0lERXpOQ0F4TnpkVU1UWTNJREV4TWxReU16RWdORGhVTXpJNElEZFJNelUxSURFZ05EWTJJREJJTlRjd1VUVTRNeUF0TVRBZ05UZ3pJQzB5TUZFMU9ETWdMVE15SURVMk9DQXROREJJTkRjeFVUUTJOQ0F0TkRBZ05EUTJJQzAwTUZRME1UY2dMVFF4VVRJMk1pQXROREVnTVRjeUlEUTFVVGcwSURFeU55QTROQ0F5TlRCYUlpOCtQSEJoZEdnZ2FXUTlJazFLV0MwME5DMVVSVmd0UXkwME5DSWdaRDBpVFRNM0lEUTNOVkV4T1NBME56VWdNVGtnTkRnM1VURTVJRFV6TmlBeE1ETWdOakEwVkRNeU55QTJPREpJTXpVMlVUTTROaUEyT0RNZ05EQTRJRFk0TTBnME1UbFJORGMxSURZNE15QTFNRFlnTmpneFZEVTRNaUEyTmpoVU5qWTNJRFl6TTFFM05qWWdOVGN4SURjMk5pQTBOVEJSTnpZMklETTJOU0EzTWpNZ01qZzNWRFl4TVNBeE5USlVORFUxSURVM1ZESTNPU0EyVVRJME9DQXhJREUyTUNBd1VURTBPQ0F3SURFek1TQXdWREV3T0NBdE1WRTNNaUF0TVNBM01pQXhNVkUzTWlBeU5DQTVNQ0EwTUZReE16TWdOalJNTVRRMElEWTRUREUxTWlBNE9GRXlORGNnTXpJNElESTNNaUExT0RkUk1qYzFJRFl4TXlBeU56SWdOakV6VVRJM01pQTJNVE1nTWpZNUlEWXhNMUV5TWpVZ05qRXdJREU1TlNBMk1ESlVNVFE1SURVM09WUXhNamtnTlRVMlZERXhPU0ExTXpKUk1URTRJRFV6TUNBeE1UWWdOVEkxVkRFeE15QTFNVGhSTVRBeUlEVXdNaUE0TUNBME9UQlVNemNnTkRjMVdrMDJOalVnTkRBM1VUWTJOU0ExT1RZZ05ERXlJRFl4TTFFME1ETWdOakUwSURNNE15QTJNVFJSTXpjd0lEWXhOQ0F6TnpBZ05qRXlVVE0zTUNBMU9UZ2dNell6SURVME1sUXpNak1nTXpVM1ZESTBNaUF4TUROTU1qSTRJRFk1U0RJMk5WRXpPVEVnTnpNZ05EZ3hJREV4T1ZFMU16WWdNVFE0SURVM05TQXhPRGhVTmpNeklESTJPRlEyTlRnZ016TTRWRFkyTlNBek9USldOREEzV2lJdlBqeHdZWFJvSUdsa1BTSk5TbGd0TkRRdFZFVllMVTR0TWpnaUlHUTlJazA1TkNBeU5UQlJPVFFnTXpFNUlERXdOQ0F6T0RGVU1USTNJRFE0T0ZReE5qUWdOVGMyVkRJd01pQTJORE5VTWpRMElEWTVOVlF5TnpjZ056STVWRE13TWlBM05UQklNekUxU0RNeE9WRXpNek1nTnpVd0lETXpNeUEzTkRGUk16TXpJRGN6T0NBek1UWWdOekl3VkRJM05TQTJOamRVTWpJMklEVTRNVlF4T0RRZ05EUXpWREUyTnlBeU5UQlVNVGcwSURVNFZESXlOU0F0T0RGVU1qYzBJQzB4TmpkVU16RTJJQzB5TWpCVU16TXpJQzB5TkRGUk16TXpJQzB5TlRBZ016RTRJQzB5TlRCSU16RTFTRE13TWt3eU56UWdMVEl5TmxFeE9EQWdMVEUwTVNBeE16Y2dMVEUwVkRrMElESTFNRm9pTHo0OGNHRjBhQ0JwWkQwaVRVcFlMVFEwTFZSRldDMU9MVE14SWlCa1BTSk5NakV6SURVM09Fd3lNREFnTlRjelVURTROaUExTmpnZ01UWXdJRFUyTTFReE1ESWdOVFUyU0RnelZqWXdNa2d4TURKUk1UUTVJRFl3TkNBeE9Ea2dOakUzVkRJME5TQTJOREZVTWpjeklEWTJNMUV5TnpVZ05qWTJJREk0TlNBMk5qWlJNamswSURZMk5pQXpNRElnTmpZd1ZqTTJNVXd6TURNZ05qRlJNekV3SURVMElETXhOU0ExTWxRek16a2dORGhVTkRBeElEUTJTRFF5TjFZd1NEUXhObEV6T1RVZ015QXlOVGNnTTFFeE1qRWdNeUF4TURBZ01FZzRPRlkwTmtneE1UUlJNVE0ySURRMklERTFNaUEwTmxReE56Y2dORGRVTVRreklEVXdWREl3TVNBMU1sUXlNRGNnTlRkVU1qRXpJRFl4VmpVM09Gb2lMejQ4Y0dGMGFDQnBaRDBpVFVwWUxUUTBMVlJGV0MxT0xUSkJOMFFpSUdROUlrMDJOelFnTmpNMlVUWTRNaUEyTXpZZ05qZzRJRFl6TUZRMk9UUWdOakUxVkRZNE55QTJNREZSTmpnMklEWXdNQ0EwTVRjZ05EY3lUREUxTVNBek5EWk1Nems1SURJeU9GRTJPRGNnT1RJZ05qa3hJRGczVVRZNU5DQTRNU0EyT1RRZ056WlJOamswSURVNElEWTNOaUExTmtnMk56Qk1Nemd5SURFNU1sRTVNaUF6TWprZ09UQWdNek14VVRneklETXpOaUE0TXlBek5EaFJPRFFnTXpVNUlEazJJRE0yTlZFeE1EUWdNelk1SURNNE1pQTFNREJVTmpZMUlEWXpORkUyTmprZ05qTTJJRFkzTkNBMk16WmFUVGswSURFM01GRXhNRElnTVRjeUlERXdOQ0F4TnpKUk1URXdJREUzTVNBeU5UUWdNVEF6VkRVek5TQXRNekJVTmpjNElDMDVPRkUyT1RRZ0xURXdOaUEyT1RRZ0xURXhPRkUyT1RRZ0xURXpOaUEyTnpZZ0xURXpPRWcyTnpCTU16Z3lJQzB5VVRreUlERXpOU0E1TUNBeE16ZFJPRE1nTVRReUlEZ3pJREUxTkZFNE5DQXhOalFnT1RRZ01UY3dXaUl2UGp4d1lYUm9JR2xrUFNKTlNsZ3RORFF0VkVWWUxVa3RNVVEwTlRBaUlHUTlJazB6TkNBeE5UbFJNelFnTWpZNElERXlNQ0F6TlRWVU16QTJJRFEwTWxFek5qSWdORFF5SURNNU5DQTBNVGhVTkRJM0lETTFOVkUwTWpjZ016STJJRFF3T0NBek1EWlVNell3SURJNE5WRXpOREVnTWpnMUlETXpNQ0F5T1RWVU16RTVJRE15TlZRek16QWdNelU1VkRNMU1pQXpPREJVTXpZMklETTROa2d6TmpkUk16WTNJRE00T0NBek5qRWdNemt5VkRNME1DQTBNREJVTXpBMklEUXdORkV5TnpZZ05EQTBJREkwT1NBek9UQlJNakk0SURNNE1TQXlNRFlnTXpVNVVURTJNaUF6TVRVZ01UUXlJREl6TlZReE1qRWdNVEU1VVRFeU1TQTNNeUF4TkRjZ05UQlJNVFk1SURJMklESXdOU0F5TmtneU1EbFJNekl4SURJMklETTVOQ0F4TVRGUk5EQXpJREV5TVNBME1EWWdNVEl4VVRReE1DQXhNakVnTkRFNUlERXhNbFEwTWprZ09UaFVOREl3SURnelZETTVNU0ExTlZRek5EWWdNalZVTWpneUlEQlVNakF5SUMweE1WRXhNamNnTFRFeElEZ3hJRE0zVkRNMElERTFPVm9pTHo0OGNHRjBhQ0JwWkQwaVRVcFlMVFEwTFZSRldDMU9MVEk1SWlCa1BTSk5OakFnTnpRNVREWTBJRGMxTUZFMk9TQTNOVEFnTnpRZ056VXdTRGcyVERFeE5DQTNNalpSTWpBNElEWTBNU0F5TlRFZ05URTBWREk1TkNBeU5UQlJNamswSURFNE1pQXlPRFFnTVRFNVZESTJNU0F4TWxReU1qUWdMVGMyVkRFNE5pQXRNVFF6VkRFME5TQXRNVGswVkRFeE15QXRNakkzVkRrd0lDMHlORFpST0RjZ0xUSTBPU0E0TmlBdE1qVXdTRGMwVVRZMklDMHlOVEFnTmpNZ0xUSTFNRlExT0NBdE1qUTNWRFUxSUMweU16aFJOVFlnTFRJek55QTJOaUF0TWpJMVVUSXlNU0F0TmpRZ01qSXhJREkxTUZRMk5pQTNNalZSTlRZZ056TTNJRFUxSURjek9GRTFOU0EzTkRZZ05qQWdOelE1V2lJdlBqd3ZaR1ZtY3o0OFp5QnpkSEp2YTJVOUltTjFjbkpsYm5SRGIyeHZjaUlnWm1sc2JEMGlZM1Z5Y21WdWRFTnZiRzl5SWlCemRISnZhMlV0ZDJsa2RHZzlJakFpSUhSeVlXNXpabTl5YlQwaWMyTmhiR1VvTVN3dE1Ta2lQanhuSUdSaGRHRXRiVzFzTFc1dlpHVTlJbTFoZEdnaVBqeG5JR1JoZEdFdGJXMXNMVzV2WkdVOUltMXpkV0lpUGp4bklHUmhkR0V0Ylcxc0xXNXZaR1U5SW0xcElqNDhkWE5sSUdSaGRHRXRZejBpTVVRME5UUWlJSGhzYVc1ck9taHlaV1k5SWlOTlNsZ3RORFF0VkVWWUxVa3RNVVEwTlRRaUx6NDhMMmMrUEdjZ1pHRjBZUzF0Yld3dGJtOWtaVDBpYldraUlIUnlZVzV6Wm05eWJUMGlkSEpoYm5Oc1lYUmxLRFV4TUN3dE1UVXdLU0J6WTJGc1pTZ3dMamN3TnlraVBqeDFjMlVnWkdGMFlTMWpQU0l4UkRRMU5pSWdlR3hwYm1zNmFISmxaajBpSTAxS1dDMDBOQzFVUlZndFNTMHhSRFExTmlJdlBqd3ZaejQ4TDJjK1BHY2daR0YwWVMxdGJXd3RibTlrWlQwaWJXOGlJSFJ5WVc1elptOXliVDBpZEhKaGJuTnNZWFJsS0RFd09ERXVOeXd3S1NJK1BIVnpaU0JrWVhSaExXTTlJakl5TURnaUlIaHNhVzVyT21oeVpXWTlJaU5OU2xndE5EUXRWRVZZTFU0dE1qSXdPQ0l2UGp3dlp6NDhaeUJrWVhSaExXMXRiQzF1YjJSbFBTSlVaVmhCZEc5dElpQmtZWFJoTFcxcWVDMTBaWGhqYkdGemN6MGlUMUpFSWlCMGNtRnVjMlp2Y20wOUluUnlZVzV6YkdGMFpTZ3lNREkyTGpVc01Da2lQanhuSUdSaGRHRXRiVzFzTFc1dlpHVTlJbTFwSWo0OGRYTmxJR1JoZEdFdFl6MGlORFFpSUhoc2FXNXJPbWh5WldZOUlpTk5TbGd0TkRRdFZFVllMVU10TkRRaUx6NDhMMmMrUEM5blBqeG5JR1JoZEdFdGJXMXNMVzV2WkdVOUltMXZJaUIwY21GdWMyWnZjbTA5SW5SeVlXNXpiR0YwWlNneU56azNMalVzTUNraVBqeDFjMlVnWkdGMFlTMWpQU0l5T0NJZ2VHeHBibXM2YUhKbFpqMGlJMDFLV0MwME5DMVVSVmd0VGkweU9DSXZQand2Wno0OFp5QmtZWFJoTFcxdGJDMXViMlJsUFNKdGJpSWdkSEpoYm5ObWIzSnRQU0owY21GdWMyeGhkR1VvTXpFNE5pNDFMREFwSWo0OGRYTmxJR1JoZEdFdFl6MGlNekVpSUhoc2FXNXJPbWh5WldZOUlpTk5TbGd0TkRRdFZFVllMVTR0TXpFaUx6NDhMMmMrUEdjZ1pHRjBZUzF0Yld3dGJtOWtaVDBpYlc4aUlIUnlZVzV6Wm05eWJUMGlkSEpoYm5Oc1lYUmxLRE01TmpRdU15d3dLU0krUEhWelpTQmtZWFJoTFdNOUlqSkJOMFFpSUhoc2FXNXJPbWh5WldZOUlpTk5TbGd0TkRRdFZFVllMVTR0TWtFM1JDSXZQand2Wno0OFp5QmtZWFJoTFcxdGJDMXViMlJsUFNKdGFTSWdkSEpoYm5ObWIzSnRQU0owY21GdWMyeGhkR1VvTlRBeU1DNHhMREFwSWo0OGRYTmxJR1JoZEdFdFl6MGlNVVEwTlRZaUlIaHNhVzVyT21oeVpXWTlJaU5OU2xndE5EUXRWRVZZTFVrdE1VUTBOVFlpTHo0OEwyYytQR2NnWkdGMFlTMXRiV3d0Ym05a1pUMGliVzhpSUhSeVlXNXpabTl5YlQwaWRISmhibk5zWVhSbEtEVTJOREl1T0N3d0tTSStQSFZ6WlNCa1lYUmhMV005SWpKQk4wUWlJSGhzYVc1ck9taHlaV1k5SWlOTlNsZ3RORFF0VkVWWUxVNHRNa0UzUkNJdlBqd3ZaejQ4WnlCa1lYUmhMVzF0YkMxdWIyUmxQU0p0YVNJZ2RISmhibk5tYjNKdFBTSjBjbUZ1YzJ4aGRHVW9Oalk1T0M0MkxEQXBJajQ4ZFhObElHUmhkR0V0WXowaU1VUTBOVEFpSUhoc2FXNXJPbWh5WldZOUlpTk5TbGd0TkRRdFZFVllMVWt0TVVRME5UQWlMejQ4TDJjK1BHY2daR0YwWVMxdGJXd3RibTlrWlQwaWJXOGlJSFJ5WVc1elptOXliVDBpZEhKaGJuTnNZWFJsS0RjeE16RXVOaXd3S1NJK1BIVnpaU0JrWVhSaExXTTlJakk1SWlCNGJHbHVhenBvY21WbVBTSWpUVXBZTFRRMExWUkZXQzFPTFRJNUlpOCtQQzluUGp3dlp6NDhMMmMrUEM5emRtYysiLAoJIlJlYWxWaWV3U2l6ZUpzb24iIDogIntcImhlaWdodFwiOjM1Ny4xNDI4NjgwNDE5OTIyLFwid2lkdGhcIjoyNjQyLjg1NzA1NTY2NDA2MjV9Igp9Cg=="/>
-    </extobj>
-  </extobjs>
-</s:customData>
-</file>
-
-<file path=customXml/itemProps1.xml><?xml version="1.0" encoding="utf-8"?>
-<ds:datastoreItem xmlns:ds="http://schemas.openxmlformats.org/officeDocument/2006/customXml" ds:itemID="s:customData">
-  <ds:schemaRefs>
-    <ds:schemaRef ds:uri="http://www.wps.cn/officeDocument/2013/wpsCustomData"/>
-  </ds:schemaRefs>
-</ds:datastoreItem>
 </file>